--- a/Assignment 2-PoS tagging.pptx
+++ b/Assignment 2-PoS tagging.pptx
@@ -12793,7 +12793,7 @@
 </file>
 
 <file path=ppt/slides/slide10.xml><?xml version="1.0" encoding="utf-8"?>
-<p:sld xmlns:a="http://schemas.openxmlformats.org/drawingml/2006/main" xmlns:r="http://schemas.openxmlformats.org/officeDocument/2006/relationships" xmlns:p="http://schemas.openxmlformats.org/presentationml/2006/main">
+<p:sld xmlns:a="http://schemas.openxmlformats.org/drawingml/2006/main" xmlns:r="http://schemas.openxmlformats.org/officeDocument/2006/relationships" xmlns:p="http://schemas.openxmlformats.org/presentationml/2006/main" show="0">
   <p:cSld>
     <p:spTree>
       <p:nvGrpSpPr>
@@ -13077,10 +13077,10 @@
               <a:buNone/>
             </a:pPr>
             <a:r>
-              <a:rPr lang="en-GB"/>
+              <a:rPr lang="en-GB" dirty="0"/>
               <a:t>Any thoughts on generative vs. discriminative POS tagging</a:t>
             </a:r>
-            <a:endParaRPr/>
+            <a:endParaRPr dirty="0"/>
           </a:p>
         </p:txBody>
       </p:sp>
@@ -13096,8 +13096,8 @@
         </p:nvSpPr>
         <p:spPr>
           <a:xfrm>
-            <a:off x="457200" y="1200150"/>
-            <a:ext cx="8229600" cy="3394472"/>
+            <a:off x="457200" y="1275777"/>
+            <a:ext cx="3901669" cy="3394472"/>
           </a:xfrm>
           <a:prstGeom prst="rect">
             <a:avLst/>
@@ -13126,10 +13126,383 @@
               <a:buSzPts val="2400"/>
               <a:buNone/>
             </a:pPr>
-            <a:endParaRPr/>
+            <a:r>
+              <a:rPr lang="en-IN" dirty="0"/>
+              <a:t>Generative</a:t>
+            </a:r>
+          </a:p>
+          <a:p>
+            <a:pPr marL="571500" indent="-342900"/>
+            <a:r>
+              <a:rPr lang="en-IN" sz="1800" dirty="0"/>
+              <a:t>Harder to encode diverse information with respect to words and sentences</a:t>
+            </a:r>
+          </a:p>
+          <a:p>
+            <a:pPr marL="571500" indent="-342900"/>
+            <a:r>
+              <a:rPr lang="en-IN" sz="1800" dirty="0"/>
+              <a:t>Generative models like HMMs would tend to work better with smaller datasets</a:t>
+            </a:r>
+          </a:p>
+          <a:p>
+            <a:pPr marL="571500" indent="-342900"/>
+            <a:r>
+              <a:rPr lang="en-IN" sz="1800" dirty="0"/>
+              <a:t>Easier to interpret parameters, in general</a:t>
+            </a:r>
           </a:p>
         </p:txBody>
       </p:sp>
+      <p:sp>
+        <p:nvSpPr>
+          <p:cNvPr id="2" name="Google Shape;153;p34">
+            <a:extLst>
+              <a:ext uri="{FF2B5EF4-FFF2-40B4-BE49-F238E27FC236}">
+                <a16:creationId xmlns:a16="http://schemas.microsoft.com/office/drawing/2014/main" id="{B06ECC2E-0596-0F00-7BE8-75A6886E092B}"/>
+              </a:ext>
+            </a:extLst>
+          </p:cNvPr>
+          <p:cNvSpPr txBox="1">
+            <a:spLocks/>
+          </p:cNvSpPr>
+          <p:nvPr/>
+        </p:nvSpPr>
+        <p:spPr>
+          <a:xfrm>
+            <a:off x="4847011" y="1275777"/>
+            <a:ext cx="4118231" cy="3394472"/>
+          </a:xfrm>
+          <a:prstGeom prst="rect">
+            <a:avLst/>
+          </a:prstGeom>
+          <a:noFill/>
+          <a:ln>
+            <a:noFill/>
+          </a:ln>
+        </p:spPr>
+        <p:txBody>
+          <a:bodyPr spcFirstLastPara="1" wrap="square" lIns="91425" tIns="45700" rIns="91425" bIns="45700" anchor="t" anchorCtr="0">
+            <a:noAutofit/>
+          </a:bodyPr>
+          <a:lstStyle>
+            <a:defPPr marR="0" lvl="0" algn="l" rtl="0">
+              <a:lnSpc>
+                <a:spcPct val="100000"/>
+              </a:lnSpc>
+              <a:spcBef>
+                <a:spcPts val="0"/>
+              </a:spcBef>
+              <a:spcAft>
+                <a:spcPts val="0"/>
+              </a:spcAft>
+            </a:defPPr>
+            <a:lvl1pPr marL="457200" marR="0" lvl="0" indent="-381000" algn="l" rtl="0">
+              <a:lnSpc>
+                <a:spcPct val="100000"/>
+              </a:lnSpc>
+              <a:spcBef>
+                <a:spcPts val="480"/>
+              </a:spcBef>
+              <a:spcAft>
+                <a:spcPts val="0"/>
+              </a:spcAft>
+              <a:buClr>
+                <a:srgbClr val="0000FF"/>
+              </a:buClr>
+              <a:buSzPts val="2400"/>
+              <a:buFont typeface="Arial"/>
+              <a:buChar char="•"/>
+              <a:defRPr sz="2400" b="0" i="0" u="none" strike="noStrike" cap="none">
+                <a:solidFill>
+                  <a:srgbClr val="0000FF"/>
+                </a:solidFill>
+                <a:latin typeface="Arial"/>
+                <a:ea typeface="Arial"/>
+                <a:cs typeface="Arial"/>
+                <a:sym typeface="Arial"/>
+              </a:defRPr>
+            </a:lvl1pPr>
+            <a:lvl2pPr marL="914400" marR="0" lvl="1" indent="-381000" algn="l" rtl="0">
+              <a:lnSpc>
+                <a:spcPct val="100000"/>
+              </a:lnSpc>
+              <a:spcBef>
+                <a:spcPts val="480"/>
+              </a:spcBef>
+              <a:spcAft>
+                <a:spcPts val="0"/>
+              </a:spcAft>
+              <a:buClr>
+                <a:srgbClr val="0000FF"/>
+              </a:buClr>
+              <a:buSzPts val="2400"/>
+              <a:buFont typeface="Arial"/>
+              <a:buChar char="–"/>
+              <a:defRPr sz="2400" b="0" i="0" u="none" strike="noStrike" cap="none">
+                <a:solidFill>
+                  <a:srgbClr val="0000FF"/>
+                </a:solidFill>
+                <a:latin typeface="Arial"/>
+                <a:ea typeface="Arial"/>
+                <a:cs typeface="Arial"/>
+                <a:sym typeface="Arial"/>
+              </a:defRPr>
+            </a:lvl2pPr>
+            <a:lvl3pPr marL="1371600" marR="0" lvl="2" indent="-381000" algn="l" rtl="0">
+              <a:lnSpc>
+                <a:spcPct val="100000"/>
+              </a:lnSpc>
+              <a:spcBef>
+                <a:spcPts val="480"/>
+              </a:spcBef>
+              <a:spcAft>
+                <a:spcPts val="0"/>
+              </a:spcAft>
+              <a:buClr>
+                <a:srgbClr val="0000FF"/>
+              </a:buClr>
+              <a:buSzPts val="2400"/>
+              <a:buFont typeface="Arial"/>
+              <a:buChar char="•"/>
+              <a:defRPr sz="2400" b="0" i="0" u="none" strike="noStrike" cap="none">
+                <a:solidFill>
+                  <a:srgbClr val="0000FF"/>
+                </a:solidFill>
+                <a:latin typeface="Arial"/>
+                <a:ea typeface="Arial"/>
+                <a:cs typeface="Arial"/>
+                <a:sym typeface="Arial"/>
+              </a:defRPr>
+            </a:lvl3pPr>
+            <a:lvl4pPr marL="1828800" marR="0" lvl="3" indent="-381000" algn="l" rtl="0">
+              <a:lnSpc>
+                <a:spcPct val="100000"/>
+              </a:lnSpc>
+              <a:spcBef>
+                <a:spcPts val="480"/>
+              </a:spcBef>
+              <a:spcAft>
+                <a:spcPts val="0"/>
+              </a:spcAft>
+              <a:buClr>
+                <a:srgbClr val="0000FF"/>
+              </a:buClr>
+              <a:buSzPts val="2400"/>
+              <a:buFont typeface="Arial"/>
+              <a:buChar char="–"/>
+              <a:defRPr sz="2400" b="0" i="0" u="none" strike="noStrike" cap="none">
+                <a:solidFill>
+                  <a:srgbClr val="0000FF"/>
+                </a:solidFill>
+                <a:latin typeface="Arial"/>
+                <a:ea typeface="Arial"/>
+                <a:cs typeface="Arial"/>
+                <a:sym typeface="Arial"/>
+              </a:defRPr>
+            </a:lvl4pPr>
+            <a:lvl5pPr marL="2286000" marR="0" lvl="4" indent="-381000" algn="l" rtl="0">
+              <a:lnSpc>
+                <a:spcPct val="100000"/>
+              </a:lnSpc>
+              <a:spcBef>
+                <a:spcPts val="480"/>
+              </a:spcBef>
+              <a:spcAft>
+                <a:spcPts val="0"/>
+              </a:spcAft>
+              <a:buClr>
+                <a:srgbClr val="0000FF"/>
+              </a:buClr>
+              <a:buSzPts val="2400"/>
+              <a:buFont typeface="Arial"/>
+              <a:buChar char="»"/>
+              <a:defRPr sz="2400" b="0" i="0" u="none" strike="noStrike" cap="none">
+                <a:solidFill>
+                  <a:srgbClr val="0000FF"/>
+                </a:solidFill>
+                <a:latin typeface="Arial"/>
+                <a:ea typeface="Arial"/>
+                <a:cs typeface="Arial"/>
+                <a:sym typeface="Arial"/>
+              </a:defRPr>
+            </a:lvl5pPr>
+            <a:lvl6pPr marL="2743200" marR="0" lvl="5" indent="-381000" algn="l" rtl="0">
+              <a:lnSpc>
+                <a:spcPct val="100000"/>
+              </a:lnSpc>
+              <a:spcBef>
+                <a:spcPts val="480"/>
+              </a:spcBef>
+              <a:spcAft>
+                <a:spcPts val="0"/>
+              </a:spcAft>
+              <a:buClr>
+                <a:srgbClr val="0000FF"/>
+              </a:buClr>
+              <a:buSzPts val="2400"/>
+              <a:buFont typeface="Arial"/>
+              <a:buChar char="»"/>
+              <a:defRPr sz="2400" b="0" i="0" u="none" strike="noStrike" cap="none">
+                <a:solidFill>
+                  <a:srgbClr val="0000FF"/>
+                </a:solidFill>
+                <a:latin typeface="Arial"/>
+                <a:ea typeface="Arial"/>
+                <a:cs typeface="Arial"/>
+                <a:sym typeface="Arial"/>
+              </a:defRPr>
+            </a:lvl6pPr>
+            <a:lvl7pPr marL="3200400" marR="0" lvl="6" indent="-381000" algn="l" rtl="0">
+              <a:lnSpc>
+                <a:spcPct val="100000"/>
+              </a:lnSpc>
+              <a:spcBef>
+                <a:spcPts val="480"/>
+              </a:spcBef>
+              <a:spcAft>
+                <a:spcPts val="0"/>
+              </a:spcAft>
+              <a:buClr>
+                <a:srgbClr val="0000FF"/>
+              </a:buClr>
+              <a:buSzPts val="2400"/>
+              <a:buFont typeface="Arial"/>
+              <a:buChar char="»"/>
+              <a:defRPr sz="2400" b="0" i="0" u="none" strike="noStrike" cap="none">
+                <a:solidFill>
+                  <a:srgbClr val="0000FF"/>
+                </a:solidFill>
+                <a:latin typeface="Arial"/>
+                <a:ea typeface="Arial"/>
+                <a:cs typeface="Arial"/>
+                <a:sym typeface="Arial"/>
+              </a:defRPr>
+            </a:lvl7pPr>
+            <a:lvl8pPr marL="3657600" marR="0" lvl="7" indent="-381000" algn="l" rtl="0">
+              <a:lnSpc>
+                <a:spcPct val="100000"/>
+              </a:lnSpc>
+              <a:spcBef>
+                <a:spcPts val="480"/>
+              </a:spcBef>
+              <a:spcAft>
+                <a:spcPts val="0"/>
+              </a:spcAft>
+              <a:buClr>
+                <a:srgbClr val="0000FF"/>
+              </a:buClr>
+              <a:buSzPts val="2400"/>
+              <a:buFont typeface="Arial"/>
+              <a:buChar char="»"/>
+              <a:defRPr sz="2400" b="0" i="0" u="none" strike="noStrike" cap="none">
+                <a:solidFill>
+                  <a:srgbClr val="0000FF"/>
+                </a:solidFill>
+                <a:latin typeface="Arial"/>
+                <a:ea typeface="Arial"/>
+                <a:cs typeface="Arial"/>
+                <a:sym typeface="Arial"/>
+              </a:defRPr>
+            </a:lvl8pPr>
+            <a:lvl9pPr marL="4114800" marR="0" lvl="8" indent="-381000" algn="l" rtl="0">
+              <a:lnSpc>
+                <a:spcPct val="100000"/>
+              </a:lnSpc>
+              <a:spcBef>
+                <a:spcPts val="480"/>
+              </a:spcBef>
+              <a:spcAft>
+                <a:spcPts val="0"/>
+              </a:spcAft>
+              <a:buClr>
+                <a:srgbClr val="0000FF"/>
+              </a:buClr>
+              <a:buSzPts val="2400"/>
+              <a:buFont typeface="Arial"/>
+              <a:buChar char="»"/>
+              <a:defRPr sz="2400" b="0" i="0" u="none" strike="noStrike" cap="none">
+                <a:solidFill>
+                  <a:srgbClr val="0000FF"/>
+                </a:solidFill>
+                <a:latin typeface="Arial"/>
+                <a:ea typeface="Arial"/>
+                <a:cs typeface="Arial"/>
+                <a:sym typeface="Arial"/>
+              </a:defRPr>
+            </a:lvl9pPr>
+          </a:lstStyle>
+          <a:p>
+            <a:pPr indent="-228600">
+              <a:buFont typeface="Arial"/>
+              <a:buNone/>
+            </a:pPr>
+            <a:r>
+              <a:rPr lang="en-IN" dirty="0"/>
+              <a:t>Discriminative</a:t>
+            </a:r>
+          </a:p>
+          <a:p>
+            <a:pPr marL="571500" indent="-342900"/>
+            <a:r>
+              <a:rPr lang="en-IN" sz="1800" dirty="0"/>
+              <a:t>Easier to encode linguistic and contextual features for words and sentence structures</a:t>
+            </a:r>
+          </a:p>
+          <a:p>
+            <a:pPr marL="571500" indent="-342900"/>
+            <a:r>
+              <a:rPr lang="en-IN" sz="1800" dirty="0"/>
+              <a:t>Discriminative models would require more data, and more kind of data, to work well</a:t>
+            </a:r>
+          </a:p>
+          <a:p>
+            <a:pPr marL="571500" indent="-342900"/>
+            <a:r>
+              <a:rPr lang="en-IN" sz="1800" dirty="0"/>
+              <a:t>More difficult to interpret parameters</a:t>
+            </a:r>
+          </a:p>
+        </p:txBody>
+      </p:sp>
+      <p:cxnSp>
+        <p:nvCxnSpPr>
+          <p:cNvPr id="4" name="Straight Connector 3">
+            <a:extLst>
+              <a:ext uri="{FF2B5EF4-FFF2-40B4-BE49-F238E27FC236}">
+                <a16:creationId xmlns:a16="http://schemas.microsoft.com/office/drawing/2014/main" id="{614A3AF8-A5C0-276E-B86E-E16FE5467062}"/>
+              </a:ext>
+            </a:extLst>
+          </p:cNvPr>
+          <p:cNvCxnSpPr>
+            <a:cxnSpLocks/>
+          </p:cNvCxnSpPr>
+          <p:nvPr/>
+        </p:nvCxnSpPr>
+        <p:spPr>
+          <a:xfrm>
+            <a:off x="4475747" y="1381913"/>
+            <a:ext cx="0" cy="3761587"/>
+          </a:xfrm>
+          <a:prstGeom prst="line">
+            <a:avLst/>
+          </a:prstGeom>
+        </p:spPr>
+        <p:style>
+          <a:lnRef idx="1">
+            <a:schemeClr val="accent1"/>
+          </a:lnRef>
+          <a:fillRef idx="0">
+            <a:schemeClr val="accent1"/>
+          </a:fillRef>
+          <a:effectRef idx="0">
+            <a:schemeClr val="accent1"/>
+          </a:effectRef>
+          <a:fontRef idx="minor">
+            <a:schemeClr val="tx1"/>
+          </a:fontRef>
+        </p:style>
+      </p:cxnSp>
     </p:spTree>
   </p:cSld>
   <p:clrMapOvr>
@@ -13761,62 +14134,12 @@
           <a:chExt cx="0" cy="0"/>
         </a:xfrm>
       </p:grpSpPr>
-      <p:sp>
-        <p:nvSpPr>
-          <p:cNvPr id="117" name="Google Shape;117;p28"/>
-          <p:cNvSpPr txBox="1">
-            <a:spLocks noGrp="1"/>
-          </p:cNvSpPr>
-          <p:nvPr>
-            <p:ph type="title"/>
-          </p:nvPr>
-        </p:nvSpPr>
-        <p:spPr>
-          <a:xfrm>
-            <a:off x="457200" y="205978"/>
-            <a:ext cx="8229600" cy="857250"/>
-          </a:xfrm>
-          <a:prstGeom prst="rect">
-            <a:avLst/>
-          </a:prstGeom>
-          <a:noFill/>
-          <a:ln>
-            <a:noFill/>
-          </a:ln>
-        </p:spPr>
-        <p:txBody>
-          <a:bodyPr spcFirstLastPara="1" wrap="square" lIns="91425" tIns="45700" rIns="91425" bIns="45700" anchor="ctr" anchorCtr="0">
-            <a:noAutofit/>
-          </a:bodyPr>
-          <a:lstStyle/>
-          <a:p>
-            <a:pPr marL="0" lvl="0" indent="0" algn="ctr" rtl="0">
-              <a:lnSpc>
-                <a:spcPct val="100000"/>
-              </a:lnSpc>
-              <a:spcBef>
-                <a:spcPts val="0"/>
-              </a:spcBef>
-              <a:spcAft>
-                <a:spcPts val="0"/>
-              </a:spcAft>
-              <a:buSzPts val="1400"/>
-              <a:buNone/>
-            </a:pPr>
-            <a:r>
-              <a:rPr lang="en-GB" dirty="0"/>
-              <a:t>Confusion Matrix (12 X 12) (can give heat map)</a:t>
-            </a:r>
-            <a:endParaRPr dirty="0"/>
-          </a:p>
-        </p:txBody>
-      </p:sp>
       <p:pic>
         <p:nvPicPr>
-          <p:cNvPr id="5" name="Picture 4">
+          <p:cNvPr id="3" name="Picture 2">
             <a:extLst>
               <a:ext uri="{FF2B5EF4-FFF2-40B4-BE49-F238E27FC236}">
-                <a16:creationId xmlns:a16="http://schemas.microsoft.com/office/drawing/2014/main" id="{9EB803E7-946A-8AFE-A48C-30116E6F9AEB}"/>
+                <a16:creationId xmlns:a16="http://schemas.microsoft.com/office/drawing/2014/main" id="{E378A6A6-53D6-07C6-4C04-F5CBBB065014}"/>
               </a:ext>
             </a:extLst>
           </p:cNvPr>
@@ -13833,8 +14156,8 @@
         </p:blipFill>
         <p:spPr>
           <a:xfrm>
-            <a:off x="1113780" y="1244408"/>
-            <a:ext cx="7115820" cy="3899091"/>
+            <a:off x="1697837" y="59890"/>
+            <a:ext cx="6092085" cy="5023719"/>
           </a:xfrm>
           <a:prstGeom prst="rect">
             <a:avLst/>
@@ -13929,7 +14252,7 @@
         <p:spPr>
           <a:xfrm>
             <a:off x="457200" y="1200150"/>
-            <a:ext cx="8229600" cy="3394472"/>
+            <a:ext cx="8229600" cy="3943350"/>
           </a:xfrm>
           <a:prstGeom prst="rect">
             <a:avLst/>
@@ -13959,10 +14282,9 @@
               <a:buChar char="•"/>
             </a:pPr>
             <a:r>
-              <a:rPr lang="en-GB"/>
-              <a:t>&lt;list maximal confusions; which tag is confused with which tag most&gt;</a:t>
+              <a:rPr lang="en-GB" sz="2000" dirty="0"/>
+              <a:t>Clear outlier: ‘NUM’ tag has the worst precision and recall (around 0.5), most often confused with ‘ADJ’</a:t>
             </a:r>
-            <a:endParaRPr/>
           </a:p>
           <a:p>
             <a:pPr marL="457200" lvl="0" indent="-381000" algn="l" rtl="0">
@@ -13979,10 +14301,73 @@
               <a:buChar char="•"/>
             </a:pPr>
             <a:r>
-              <a:rPr lang="en-GB"/>
-              <a:t>&lt;try giving reasons&gt;</a:t>
+              <a:rPr lang="en-GB" sz="2000" dirty="0"/>
+              <a:t>Reasons for bad precision</a:t>
             </a:r>
-            <a:endParaRPr/>
+          </a:p>
+          <a:p>
+            <a:pPr lvl="1">
+              <a:buChar char="•"/>
+            </a:pPr>
+            <a:r>
+              <a:rPr lang="en-GB" sz="2000" dirty="0"/>
+              <a:t>Over-prediction of ‘one’, leading to a lot of false positives</a:t>
+            </a:r>
+          </a:p>
+          <a:p>
+            <a:pPr lvl="1">
+              <a:buChar char="•"/>
+            </a:pPr>
+            <a:r>
+              <a:rPr lang="en-GB" sz="2000" dirty="0"/>
+              <a:t>If number not in training dataset, an adjective could easily be tagged as a number</a:t>
+            </a:r>
+          </a:p>
+          <a:p>
+            <a:pPr marL="457200" lvl="0" indent="-381000" algn="l" rtl="0">
+              <a:lnSpc>
+                <a:spcPct val="100000"/>
+              </a:lnSpc>
+              <a:spcBef>
+                <a:spcPts val="480"/>
+              </a:spcBef>
+              <a:spcAft>
+                <a:spcPts val="0"/>
+              </a:spcAft>
+              <a:buSzPts val="2400"/>
+              <a:buChar char="•"/>
+            </a:pPr>
+            <a:r>
+              <a:rPr lang="en-GB" sz="2000" dirty="0"/>
+              <a:t>Reasons for bad recall</a:t>
+            </a:r>
+          </a:p>
+          <a:p>
+            <a:pPr lvl="1">
+              <a:buChar char="•"/>
+            </a:pPr>
+            <a:r>
+              <a:rPr lang="en-GB" sz="2000" dirty="0"/>
+              <a:t>Too many numbers, all not in dataset!</a:t>
+            </a:r>
+          </a:p>
+          <a:p>
+            <a:pPr lvl="1">
+              <a:buChar char="•"/>
+            </a:pPr>
+            <a:r>
+              <a:rPr lang="en-GB" sz="2000" dirty="0"/>
+              <a:t>Different formats, different contexts</a:t>
+            </a:r>
+          </a:p>
+          <a:p>
+            <a:pPr lvl="1">
+              <a:buChar char="•"/>
+            </a:pPr>
+            <a:r>
+              <a:rPr lang="en-GB" sz="2000" dirty="0"/>
+              <a:t>If a number not in dataset, a number could easily be tagged as an adjective</a:t>
+            </a:r>
           </a:p>
         </p:txBody>
       </p:sp>
@@ -14054,10 +14439,10 @@
               <a:buNone/>
             </a:pPr>
             <a:r>
-              <a:rPr lang="en-GB"/>
+              <a:rPr lang="en-GB" dirty="0"/>
               <a:t>Data Processing Info (Pre-processing)</a:t>
             </a:r>
-            <a:endParaRPr/>
+            <a:endParaRPr dirty="0"/>
           </a:p>
         </p:txBody>
       </p:sp>
@@ -14104,13 +14489,12 @@
               <a:buChar char="•"/>
             </a:pPr>
             <a:r>
-              <a:rPr lang="en-GB"/>
-              <a:t>&lt;for example, lower casing, tokenization, etc.&gt;</a:t>
+              <a:rPr lang="en-US" dirty="0"/>
+              <a:t>Tokenization: input text data is initially tokenized into individual words or tokens</a:t>
             </a:r>
-            <a:endParaRPr/>
           </a:p>
           <a:p>
-            <a:pPr marL="457200" lvl="0" indent="-228600" algn="l" rtl="0">
+            <a:pPr marL="457200" lvl="0" indent="-381000" algn="l" rtl="0">
               <a:lnSpc>
                 <a:spcPct val="100000"/>
               </a:lnSpc>
@@ -14121,12 +14505,15 @@
                 <a:spcPts val="0"/>
               </a:spcAft>
               <a:buSzPts val="2400"/>
-              <a:buNone/>
+              <a:buChar char="•"/>
             </a:pPr>
-            <a:endParaRPr/>
+            <a:r>
+              <a:rPr lang="en-US" dirty="0"/>
+              <a:t>Lowercasing: all words in the text are converted to lowercase, so that the model treats words with different cases</a:t>
+            </a:r>
           </a:p>
           <a:p>
-            <a:pPr marL="457200" lvl="0" indent="-228600" algn="l" rtl="0">
+            <a:pPr marL="457200" lvl="0" indent="-381000" algn="l" rtl="0">
               <a:lnSpc>
                 <a:spcPct val="100000"/>
               </a:lnSpc>
@@ -14137,9 +14524,13 @@
                 <a:spcPts val="0"/>
               </a:spcAft>
               <a:buSzPts val="2400"/>
-              <a:buNone/>
+              <a:buChar char="•"/>
             </a:pPr>
-            <a:endParaRPr/>
+            <a:r>
+              <a:rPr lang="en-US" dirty="0"/>
+              <a:t>Special Character Removal: special characters and punctuation not relevant for POS tagging are removed</a:t>
+            </a:r>
+            <a:endParaRPr lang="en-GB" dirty="0"/>
           </a:p>
         </p:txBody>
       </p:sp>
@@ -14261,13 +14652,12 @@
               <a:buChar char="•"/>
             </a:pPr>
             <a:r>
-              <a:rPr lang="en-GB"/>
-              <a:t>&lt;Describe VERY briefly how you implemented Viterbi; not allowed to use any library or API&gt;</a:t>
+              <a:rPr lang="en-US" sz="1600" dirty="0"/>
+              <a:t>Objective: Implementing the Viterbi algorithm for Part-of-Speech Tagging</a:t>
             </a:r>
-            <a:endParaRPr/>
           </a:p>
           <a:p>
-            <a:pPr marL="457200" lvl="0" indent="-228600" algn="l" rtl="0">
+            <a:pPr marL="419100" lvl="0" indent="-342900" algn="l" rtl="0">
               <a:lnSpc>
                 <a:spcPct val="100000"/>
               </a:lnSpc>
@@ -14278,9 +14668,91 @@
                 <a:spcPts val="0"/>
               </a:spcAft>
               <a:buSzPts val="2400"/>
-              <a:buNone/>
+              <a:buChar char="•"/>
             </a:pPr>
-            <a:endParaRPr/>
+            <a:r>
+              <a:rPr lang="en-US" sz="1600" dirty="0"/>
+              <a:t>Inputs: Tag-to-word probability dictionary, transition probability matrix, input sentence</a:t>
+            </a:r>
+          </a:p>
+          <a:p>
+            <a:pPr marL="419100" lvl="0" indent="-342900" algn="l" rtl="0">
+              <a:lnSpc>
+                <a:spcPct val="100000"/>
+              </a:lnSpc>
+              <a:spcBef>
+                <a:spcPts val="480"/>
+              </a:spcBef>
+              <a:spcAft>
+                <a:spcPts val="0"/>
+              </a:spcAft>
+              <a:buSzPts val="2400"/>
+              <a:buChar char="•"/>
+            </a:pPr>
+            <a:r>
+              <a:rPr lang="en-US" sz="1600" dirty="0"/>
+              <a:t>Processing:</a:t>
+            </a:r>
+          </a:p>
+          <a:p>
+            <a:pPr marL="876300" lvl="1" indent="-342900">
+              <a:buChar char="•"/>
+            </a:pPr>
+            <a:r>
+              <a:rPr lang="en-US" sz="1600" dirty="0"/>
+              <a:t>Iterate through each word in the input sentence</a:t>
+            </a:r>
+          </a:p>
+          <a:p>
+            <a:pPr marL="876300" lvl="1" indent="-342900">
+              <a:buChar char="•"/>
+            </a:pPr>
+            <a:r>
+              <a:rPr lang="en-US" sz="1600" dirty="0"/>
+              <a:t>For each word, iterate through the current tag sequences</a:t>
+            </a:r>
+          </a:p>
+          <a:p>
+            <a:pPr marL="876300" lvl="1" indent="-342900">
+              <a:buChar char="•"/>
+            </a:pPr>
+            <a:r>
+              <a:rPr lang="en-US" sz="1600" dirty="0"/>
+              <a:t>Calculate the lexical probability of the word given the tag using the probability dictionary</a:t>
+            </a:r>
+          </a:p>
+          <a:p>
+            <a:pPr marL="876300" lvl="1" indent="-342900">
+              <a:buChar char="•"/>
+            </a:pPr>
+            <a:r>
+              <a:rPr lang="en-US" sz="1600" dirty="0"/>
+              <a:t>Calculate the transition probability from previous tag to the new tag using the transition matrix</a:t>
+            </a:r>
+          </a:p>
+          <a:p>
+            <a:pPr marL="876300" lvl="1" indent="-342900">
+              <a:buChar char="•"/>
+            </a:pPr>
+            <a:r>
+              <a:rPr lang="en-US" sz="1600" dirty="0"/>
+              <a:t>Retain the top (</a:t>
+            </a:r>
+            <a:r>
+              <a:rPr lang="en-US" sz="1600" dirty="0" err="1"/>
+              <a:t>max_entries</a:t>
+            </a:r>
+            <a:r>
+              <a:rPr lang="en-US" sz="1600" dirty="0"/>
+              <a:t>) tag sequences formed with the highest probability, and repeat</a:t>
+            </a:r>
+          </a:p>
+          <a:p>
+            <a:pPr marL="419100" indent="-342900"/>
+            <a:r>
+              <a:rPr lang="en-US" sz="1600" dirty="0"/>
+              <a:t>Output: tag sequence with highest probability</a:t>
+            </a:r>
           </a:p>
         </p:txBody>
       </p:sp>
@@ -15261,21 +15733,6 @@
 </file>
 
 <file path=customXml/item1.xml><?xml version="1.0" encoding="utf-8"?>
-<?mso-contentType ?>
-<FormTemplates xmlns="http://schemas.microsoft.com/sharepoint/v3/contenttype/forms">
-  <Display>DocumentLibraryForm</Display>
-  <Edit>DocumentLibraryForm</Edit>
-  <New>DocumentLibraryForm</New>
-</FormTemplates>
-</file>
-
-<file path=customXml/item2.xml><?xml version="1.0" encoding="utf-8"?>
-<p:properties xmlns:p="http://schemas.microsoft.com/office/2006/metadata/properties" xmlns:xsi="http://www.w3.org/2001/XMLSchema-instance" xmlns:pc="http://schemas.microsoft.com/office/infopath/2007/PartnerControls">
-  <documentManagement/>
-</p:properties>
-</file>
-
-<file path=customXml/item3.xml><?xml version="1.0" encoding="utf-8"?>
 <ct:contentTypeSchema xmlns:ct="http://schemas.microsoft.com/office/2006/metadata/contentType" xmlns:ma="http://schemas.microsoft.com/office/2006/metadata/properties/metaAttributes" ct:_="" ma:_="" ma:contentTypeName="Document" ma:contentTypeID="0x010100253AC9B578968F4B8BFCF09837AF7C8A" ma:contentTypeVersion="9" ma:contentTypeDescription="Create a new document." ma:contentTypeScope="" ma:versionID="c4adfd5fab4e5e363f3575a43218648d">
   <xsd:schema xmlns:xsd="http://www.w3.org/2001/XMLSchema" xmlns:xs="http://www.w3.org/2001/XMLSchema" xmlns:p="http://schemas.microsoft.com/office/2006/metadata/properties" xmlns:ns2="6750e4af-3250-4633-942a-2005b2dae5d1" xmlns:ns3="83c60fad-5858-41f2-aefd-63538264e470" targetNamespace="http://schemas.microsoft.com/office/2006/metadata/properties" ma:root="true" ma:fieldsID="64d25d737bf78ac0e2487d75ce622ff7" ns2:_="" ns3:_="">
     <xsd:import namespace="6750e4af-3250-4633-942a-2005b2dae5d1"/>
@@ -15470,24 +15927,22 @@
 </ct:contentTypeSchema>
 </file>
 
-<file path=customXml/itemProps1.xml><?xml version="1.0" encoding="utf-8"?>
-<ds:datastoreItem xmlns:ds="http://schemas.openxmlformats.org/officeDocument/2006/customXml" ds:itemID="{FE97D275-BE8D-4C41-8C4B-EF5ED5C11BC0}">
-  <ds:schemaRefs>
-    <ds:schemaRef ds:uri="http://schemas.microsoft.com/sharepoint/v3/contenttype/forms"/>
-  </ds:schemaRefs>
-</ds:datastoreItem>
+<file path=customXml/item2.xml><?xml version="1.0" encoding="utf-8"?>
+<p:properties xmlns:p="http://schemas.microsoft.com/office/2006/metadata/properties" xmlns:xsi="http://www.w3.org/2001/XMLSchema-instance" xmlns:pc="http://schemas.microsoft.com/office/infopath/2007/PartnerControls">
+  <documentManagement/>
+</p:properties>
 </file>
 
-<file path=customXml/itemProps2.xml><?xml version="1.0" encoding="utf-8"?>
-<ds:datastoreItem xmlns:ds="http://schemas.openxmlformats.org/officeDocument/2006/customXml" ds:itemID="{8BCEF15E-E479-4F6D-BD2E-9BD7AB469B25}">
-  <ds:schemaRefs>
-    <ds:schemaRef ds:uri="http://schemas.microsoft.com/office/2006/metadata/properties"/>
-    <ds:schemaRef ds:uri="http://schemas.microsoft.com/office/infopath/2007/PartnerControls"/>
-  </ds:schemaRefs>
-</ds:datastoreItem>
+<file path=customXml/item3.xml><?xml version="1.0" encoding="utf-8"?>
+<?mso-contentType ?>
+<FormTemplates xmlns="http://schemas.microsoft.com/sharepoint/v3/contenttype/forms">
+  <Display>DocumentLibraryForm</Display>
+  <Edit>DocumentLibraryForm</Edit>
+  <New>DocumentLibraryForm</New>
+</FormTemplates>
 </file>
 
-<file path=customXml/itemProps3.xml><?xml version="1.0" encoding="utf-8"?>
+<file path=customXml/itemProps1.xml><?xml version="1.0" encoding="utf-8"?>
 <ds:datastoreItem xmlns:ds="http://schemas.openxmlformats.org/officeDocument/2006/customXml" ds:itemID="{C82D0DC1-C67D-486A-8AAD-20D0631192BF}">
   <ds:schemaRefs>
     <ds:schemaRef ds:uri="http://schemas.microsoft.com/office/2006/metadata/contentType"/>
@@ -15504,4 +15959,21 @@
     <ds:schemaRef ds:uri="http://schemas.microsoft.com/internal/obd"/>
   </ds:schemaRefs>
 </ds:datastoreItem>
+</file>
+
+<file path=customXml/itemProps2.xml><?xml version="1.0" encoding="utf-8"?>
+<ds:datastoreItem xmlns:ds="http://schemas.openxmlformats.org/officeDocument/2006/customXml" ds:itemID="{8BCEF15E-E479-4F6D-BD2E-9BD7AB469B25}">
+  <ds:schemaRefs>
+    <ds:schemaRef ds:uri="http://schemas.microsoft.com/office/2006/metadata/properties"/>
+    <ds:schemaRef ds:uri="http://schemas.microsoft.com/office/infopath/2007/PartnerControls"/>
+  </ds:schemaRefs>
+</ds:datastoreItem>
+</file>
+
+<file path=customXml/itemProps3.xml><?xml version="1.0" encoding="utf-8"?>
+<ds:datastoreItem xmlns:ds="http://schemas.openxmlformats.org/officeDocument/2006/customXml" ds:itemID="{FE97D275-BE8D-4C41-8C4B-EF5ED5C11BC0}">
+  <ds:schemaRefs>
+    <ds:schemaRef ds:uri="http://schemas.microsoft.com/sharepoint/v3/contenttype/forms"/>
+  </ds:schemaRefs>
+</ds:datastoreItem>
 </file>
--- a/Assignment 2-PoS tagging.pptx
+++ b/Assignment 2-PoS tagging.pptx
@@ -12793,7 +12793,7 @@
 </file>
 
 <file path=ppt/slides/slide10.xml><?xml version="1.0" encoding="utf-8"?>
-<p:sld xmlns:a="http://schemas.openxmlformats.org/drawingml/2006/main" xmlns:r="http://schemas.openxmlformats.org/officeDocument/2006/relationships" xmlns:p="http://schemas.openxmlformats.org/presentationml/2006/main" show="0">
+<p:sld xmlns:a="http://schemas.openxmlformats.org/drawingml/2006/main" xmlns:r="http://schemas.openxmlformats.org/officeDocument/2006/relationships" xmlns:p="http://schemas.openxmlformats.org/presentationml/2006/main">
   <p:cSld>
     <p:spTree>
       <p:nvGrpSpPr>
@@ -13077,10 +13077,10 @@
               <a:buNone/>
             </a:pPr>
             <a:r>
-              <a:rPr lang="en-GB" dirty="0"/>
+              <a:rPr lang="en-GB"/>
               <a:t>Any thoughts on generative vs. discriminative POS tagging</a:t>
             </a:r>
-            <a:endParaRPr dirty="0"/>
+            <a:endParaRPr/>
           </a:p>
         </p:txBody>
       </p:sp>
@@ -13096,8 +13096,8 @@
         </p:nvSpPr>
         <p:spPr>
           <a:xfrm>
-            <a:off x="457200" y="1275777"/>
-            <a:ext cx="3901669" cy="3394472"/>
+            <a:off x="457200" y="1200150"/>
+            <a:ext cx="8229600" cy="3394472"/>
           </a:xfrm>
           <a:prstGeom prst="rect">
             <a:avLst/>
@@ -13126,383 +13126,10 @@
               <a:buSzPts val="2400"/>
               <a:buNone/>
             </a:pPr>
-            <a:r>
-              <a:rPr lang="en-IN" dirty="0"/>
-              <a:t>Generative</a:t>
-            </a:r>
-          </a:p>
-          <a:p>
-            <a:pPr marL="571500" indent="-342900"/>
-            <a:r>
-              <a:rPr lang="en-IN" sz="1800" dirty="0"/>
-              <a:t>Harder to encode diverse information with respect to words and sentences</a:t>
-            </a:r>
-          </a:p>
-          <a:p>
-            <a:pPr marL="571500" indent="-342900"/>
-            <a:r>
-              <a:rPr lang="en-IN" sz="1800" dirty="0"/>
-              <a:t>Generative models like HMMs would tend to work better with smaller datasets</a:t>
-            </a:r>
-          </a:p>
-          <a:p>
-            <a:pPr marL="571500" indent="-342900"/>
-            <a:r>
-              <a:rPr lang="en-IN" sz="1800" dirty="0"/>
-              <a:t>Easier to interpret parameters, in general</a:t>
-            </a:r>
+            <a:endParaRPr/>
           </a:p>
         </p:txBody>
       </p:sp>
-      <p:sp>
-        <p:nvSpPr>
-          <p:cNvPr id="2" name="Google Shape;153;p34">
-            <a:extLst>
-              <a:ext uri="{FF2B5EF4-FFF2-40B4-BE49-F238E27FC236}">
-                <a16:creationId xmlns:a16="http://schemas.microsoft.com/office/drawing/2014/main" id="{B06ECC2E-0596-0F00-7BE8-75A6886E092B}"/>
-              </a:ext>
-            </a:extLst>
-          </p:cNvPr>
-          <p:cNvSpPr txBox="1">
-            <a:spLocks/>
-          </p:cNvSpPr>
-          <p:nvPr/>
-        </p:nvSpPr>
-        <p:spPr>
-          <a:xfrm>
-            <a:off x="4847011" y="1275777"/>
-            <a:ext cx="4118231" cy="3394472"/>
-          </a:xfrm>
-          <a:prstGeom prst="rect">
-            <a:avLst/>
-          </a:prstGeom>
-          <a:noFill/>
-          <a:ln>
-            <a:noFill/>
-          </a:ln>
-        </p:spPr>
-        <p:txBody>
-          <a:bodyPr spcFirstLastPara="1" wrap="square" lIns="91425" tIns="45700" rIns="91425" bIns="45700" anchor="t" anchorCtr="0">
-            <a:noAutofit/>
-          </a:bodyPr>
-          <a:lstStyle>
-            <a:defPPr marR="0" lvl="0" algn="l" rtl="0">
-              <a:lnSpc>
-                <a:spcPct val="100000"/>
-              </a:lnSpc>
-              <a:spcBef>
-                <a:spcPts val="0"/>
-              </a:spcBef>
-              <a:spcAft>
-                <a:spcPts val="0"/>
-              </a:spcAft>
-            </a:defPPr>
-            <a:lvl1pPr marL="457200" marR="0" lvl="0" indent="-381000" algn="l" rtl="0">
-              <a:lnSpc>
-                <a:spcPct val="100000"/>
-              </a:lnSpc>
-              <a:spcBef>
-                <a:spcPts val="480"/>
-              </a:spcBef>
-              <a:spcAft>
-                <a:spcPts val="0"/>
-              </a:spcAft>
-              <a:buClr>
-                <a:srgbClr val="0000FF"/>
-              </a:buClr>
-              <a:buSzPts val="2400"/>
-              <a:buFont typeface="Arial"/>
-              <a:buChar char="•"/>
-              <a:defRPr sz="2400" b="0" i="0" u="none" strike="noStrike" cap="none">
-                <a:solidFill>
-                  <a:srgbClr val="0000FF"/>
-                </a:solidFill>
-                <a:latin typeface="Arial"/>
-                <a:ea typeface="Arial"/>
-                <a:cs typeface="Arial"/>
-                <a:sym typeface="Arial"/>
-              </a:defRPr>
-            </a:lvl1pPr>
-            <a:lvl2pPr marL="914400" marR="0" lvl="1" indent="-381000" algn="l" rtl="0">
-              <a:lnSpc>
-                <a:spcPct val="100000"/>
-              </a:lnSpc>
-              <a:spcBef>
-                <a:spcPts val="480"/>
-              </a:spcBef>
-              <a:spcAft>
-                <a:spcPts val="0"/>
-              </a:spcAft>
-              <a:buClr>
-                <a:srgbClr val="0000FF"/>
-              </a:buClr>
-              <a:buSzPts val="2400"/>
-              <a:buFont typeface="Arial"/>
-              <a:buChar char="–"/>
-              <a:defRPr sz="2400" b="0" i="0" u="none" strike="noStrike" cap="none">
-                <a:solidFill>
-                  <a:srgbClr val="0000FF"/>
-                </a:solidFill>
-                <a:latin typeface="Arial"/>
-                <a:ea typeface="Arial"/>
-                <a:cs typeface="Arial"/>
-                <a:sym typeface="Arial"/>
-              </a:defRPr>
-            </a:lvl2pPr>
-            <a:lvl3pPr marL="1371600" marR="0" lvl="2" indent="-381000" algn="l" rtl="0">
-              <a:lnSpc>
-                <a:spcPct val="100000"/>
-              </a:lnSpc>
-              <a:spcBef>
-                <a:spcPts val="480"/>
-              </a:spcBef>
-              <a:spcAft>
-                <a:spcPts val="0"/>
-              </a:spcAft>
-              <a:buClr>
-                <a:srgbClr val="0000FF"/>
-              </a:buClr>
-              <a:buSzPts val="2400"/>
-              <a:buFont typeface="Arial"/>
-              <a:buChar char="•"/>
-              <a:defRPr sz="2400" b="0" i="0" u="none" strike="noStrike" cap="none">
-                <a:solidFill>
-                  <a:srgbClr val="0000FF"/>
-                </a:solidFill>
-                <a:latin typeface="Arial"/>
-                <a:ea typeface="Arial"/>
-                <a:cs typeface="Arial"/>
-                <a:sym typeface="Arial"/>
-              </a:defRPr>
-            </a:lvl3pPr>
-            <a:lvl4pPr marL="1828800" marR="0" lvl="3" indent="-381000" algn="l" rtl="0">
-              <a:lnSpc>
-                <a:spcPct val="100000"/>
-              </a:lnSpc>
-              <a:spcBef>
-                <a:spcPts val="480"/>
-              </a:spcBef>
-              <a:spcAft>
-                <a:spcPts val="0"/>
-              </a:spcAft>
-              <a:buClr>
-                <a:srgbClr val="0000FF"/>
-              </a:buClr>
-              <a:buSzPts val="2400"/>
-              <a:buFont typeface="Arial"/>
-              <a:buChar char="–"/>
-              <a:defRPr sz="2400" b="0" i="0" u="none" strike="noStrike" cap="none">
-                <a:solidFill>
-                  <a:srgbClr val="0000FF"/>
-                </a:solidFill>
-                <a:latin typeface="Arial"/>
-                <a:ea typeface="Arial"/>
-                <a:cs typeface="Arial"/>
-                <a:sym typeface="Arial"/>
-              </a:defRPr>
-            </a:lvl4pPr>
-            <a:lvl5pPr marL="2286000" marR="0" lvl="4" indent="-381000" algn="l" rtl="0">
-              <a:lnSpc>
-                <a:spcPct val="100000"/>
-              </a:lnSpc>
-              <a:spcBef>
-                <a:spcPts val="480"/>
-              </a:spcBef>
-              <a:spcAft>
-                <a:spcPts val="0"/>
-              </a:spcAft>
-              <a:buClr>
-                <a:srgbClr val="0000FF"/>
-              </a:buClr>
-              <a:buSzPts val="2400"/>
-              <a:buFont typeface="Arial"/>
-              <a:buChar char="»"/>
-              <a:defRPr sz="2400" b="0" i="0" u="none" strike="noStrike" cap="none">
-                <a:solidFill>
-                  <a:srgbClr val="0000FF"/>
-                </a:solidFill>
-                <a:latin typeface="Arial"/>
-                <a:ea typeface="Arial"/>
-                <a:cs typeface="Arial"/>
-                <a:sym typeface="Arial"/>
-              </a:defRPr>
-            </a:lvl5pPr>
-            <a:lvl6pPr marL="2743200" marR="0" lvl="5" indent="-381000" algn="l" rtl="0">
-              <a:lnSpc>
-                <a:spcPct val="100000"/>
-              </a:lnSpc>
-              <a:spcBef>
-                <a:spcPts val="480"/>
-              </a:spcBef>
-              <a:spcAft>
-                <a:spcPts val="0"/>
-              </a:spcAft>
-              <a:buClr>
-                <a:srgbClr val="0000FF"/>
-              </a:buClr>
-              <a:buSzPts val="2400"/>
-              <a:buFont typeface="Arial"/>
-              <a:buChar char="»"/>
-              <a:defRPr sz="2400" b="0" i="0" u="none" strike="noStrike" cap="none">
-                <a:solidFill>
-                  <a:srgbClr val="0000FF"/>
-                </a:solidFill>
-                <a:latin typeface="Arial"/>
-                <a:ea typeface="Arial"/>
-                <a:cs typeface="Arial"/>
-                <a:sym typeface="Arial"/>
-              </a:defRPr>
-            </a:lvl6pPr>
-            <a:lvl7pPr marL="3200400" marR="0" lvl="6" indent="-381000" algn="l" rtl="0">
-              <a:lnSpc>
-                <a:spcPct val="100000"/>
-              </a:lnSpc>
-              <a:spcBef>
-                <a:spcPts val="480"/>
-              </a:spcBef>
-              <a:spcAft>
-                <a:spcPts val="0"/>
-              </a:spcAft>
-              <a:buClr>
-                <a:srgbClr val="0000FF"/>
-              </a:buClr>
-              <a:buSzPts val="2400"/>
-              <a:buFont typeface="Arial"/>
-              <a:buChar char="»"/>
-              <a:defRPr sz="2400" b="0" i="0" u="none" strike="noStrike" cap="none">
-                <a:solidFill>
-                  <a:srgbClr val="0000FF"/>
-                </a:solidFill>
-                <a:latin typeface="Arial"/>
-                <a:ea typeface="Arial"/>
-                <a:cs typeface="Arial"/>
-                <a:sym typeface="Arial"/>
-              </a:defRPr>
-            </a:lvl7pPr>
-            <a:lvl8pPr marL="3657600" marR="0" lvl="7" indent="-381000" algn="l" rtl="0">
-              <a:lnSpc>
-                <a:spcPct val="100000"/>
-              </a:lnSpc>
-              <a:spcBef>
-                <a:spcPts val="480"/>
-              </a:spcBef>
-              <a:spcAft>
-                <a:spcPts val="0"/>
-              </a:spcAft>
-              <a:buClr>
-                <a:srgbClr val="0000FF"/>
-              </a:buClr>
-              <a:buSzPts val="2400"/>
-              <a:buFont typeface="Arial"/>
-              <a:buChar char="»"/>
-              <a:defRPr sz="2400" b="0" i="0" u="none" strike="noStrike" cap="none">
-                <a:solidFill>
-                  <a:srgbClr val="0000FF"/>
-                </a:solidFill>
-                <a:latin typeface="Arial"/>
-                <a:ea typeface="Arial"/>
-                <a:cs typeface="Arial"/>
-                <a:sym typeface="Arial"/>
-              </a:defRPr>
-            </a:lvl8pPr>
-            <a:lvl9pPr marL="4114800" marR="0" lvl="8" indent="-381000" algn="l" rtl="0">
-              <a:lnSpc>
-                <a:spcPct val="100000"/>
-              </a:lnSpc>
-              <a:spcBef>
-                <a:spcPts val="480"/>
-              </a:spcBef>
-              <a:spcAft>
-                <a:spcPts val="0"/>
-              </a:spcAft>
-              <a:buClr>
-                <a:srgbClr val="0000FF"/>
-              </a:buClr>
-              <a:buSzPts val="2400"/>
-              <a:buFont typeface="Arial"/>
-              <a:buChar char="»"/>
-              <a:defRPr sz="2400" b="0" i="0" u="none" strike="noStrike" cap="none">
-                <a:solidFill>
-                  <a:srgbClr val="0000FF"/>
-                </a:solidFill>
-                <a:latin typeface="Arial"/>
-                <a:ea typeface="Arial"/>
-                <a:cs typeface="Arial"/>
-                <a:sym typeface="Arial"/>
-              </a:defRPr>
-            </a:lvl9pPr>
-          </a:lstStyle>
-          <a:p>
-            <a:pPr indent="-228600">
-              <a:buFont typeface="Arial"/>
-              <a:buNone/>
-            </a:pPr>
-            <a:r>
-              <a:rPr lang="en-IN" dirty="0"/>
-              <a:t>Discriminative</a:t>
-            </a:r>
-          </a:p>
-          <a:p>
-            <a:pPr marL="571500" indent="-342900"/>
-            <a:r>
-              <a:rPr lang="en-IN" sz="1800" dirty="0"/>
-              <a:t>Easier to encode linguistic and contextual features for words and sentence structures</a:t>
-            </a:r>
-          </a:p>
-          <a:p>
-            <a:pPr marL="571500" indent="-342900"/>
-            <a:r>
-              <a:rPr lang="en-IN" sz="1800" dirty="0"/>
-              <a:t>Discriminative models would require more data, and more kind of data, to work well</a:t>
-            </a:r>
-          </a:p>
-          <a:p>
-            <a:pPr marL="571500" indent="-342900"/>
-            <a:r>
-              <a:rPr lang="en-IN" sz="1800" dirty="0"/>
-              <a:t>More difficult to interpret parameters</a:t>
-            </a:r>
-          </a:p>
-        </p:txBody>
-      </p:sp>
-      <p:cxnSp>
-        <p:nvCxnSpPr>
-          <p:cNvPr id="4" name="Straight Connector 3">
-            <a:extLst>
-              <a:ext uri="{FF2B5EF4-FFF2-40B4-BE49-F238E27FC236}">
-                <a16:creationId xmlns:a16="http://schemas.microsoft.com/office/drawing/2014/main" id="{614A3AF8-A5C0-276E-B86E-E16FE5467062}"/>
-              </a:ext>
-            </a:extLst>
-          </p:cNvPr>
-          <p:cNvCxnSpPr>
-            <a:cxnSpLocks/>
-          </p:cNvCxnSpPr>
-          <p:nvPr/>
-        </p:nvCxnSpPr>
-        <p:spPr>
-          <a:xfrm>
-            <a:off x="4475747" y="1381913"/>
-            <a:ext cx="0" cy="3761587"/>
-          </a:xfrm>
-          <a:prstGeom prst="line">
-            <a:avLst/>
-          </a:prstGeom>
-        </p:spPr>
-        <p:style>
-          <a:lnRef idx="1">
-            <a:schemeClr val="accent1"/>
-          </a:lnRef>
-          <a:fillRef idx="0">
-            <a:schemeClr val="accent1"/>
-          </a:fillRef>
-          <a:effectRef idx="0">
-            <a:schemeClr val="accent1"/>
-          </a:effectRef>
-          <a:fontRef idx="minor">
-            <a:schemeClr val="tx1"/>
-          </a:fontRef>
-        </p:style>
-      </p:cxnSp>
     </p:spTree>
   </p:cSld>
   <p:clrMapOvr>
@@ -14134,12 +13761,62 @@
           <a:chExt cx="0" cy="0"/>
         </a:xfrm>
       </p:grpSpPr>
+      <p:sp>
+        <p:nvSpPr>
+          <p:cNvPr id="117" name="Google Shape;117;p28"/>
+          <p:cNvSpPr txBox="1">
+            <a:spLocks noGrp="1"/>
+          </p:cNvSpPr>
+          <p:nvPr>
+            <p:ph type="title"/>
+          </p:nvPr>
+        </p:nvSpPr>
+        <p:spPr>
+          <a:xfrm>
+            <a:off x="457200" y="205978"/>
+            <a:ext cx="8229600" cy="857250"/>
+          </a:xfrm>
+          <a:prstGeom prst="rect">
+            <a:avLst/>
+          </a:prstGeom>
+          <a:noFill/>
+          <a:ln>
+            <a:noFill/>
+          </a:ln>
+        </p:spPr>
+        <p:txBody>
+          <a:bodyPr spcFirstLastPara="1" wrap="square" lIns="91425" tIns="45700" rIns="91425" bIns="45700" anchor="ctr" anchorCtr="0">
+            <a:noAutofit/>
+          </a:bodyPr>
+          <a:lstStyle/>
+          <a:p>
+            <a:pPr marL="0" lvl="0" indent="0" algn="ctr" rtl="0">
+              <a:lnSpc>
+                <a:spcPct val="100000"/>
+              </a:lnSpc>
+              <a:spcBef>
+                <a:spcPts val="0"/>
+              </a:spcBef>
+              <a:spcAft>
+                <a:spcPts val="0"/>
+              </a:spcAft>
+              <a:buSzPts val="1400"/>
+              <a:buNone/>
+            </a:pPr>
+            <a:r>
+              <a:rPr lang="en-GB" dirty="0"/>
+              <a:t>Confusion Matrix (12 X 12) (can give heat map)</a:t>
+            </a:r>
+            <a:endParaRPr dirty="0"/>
+          </a:p>
+        </p:txBody>
+      </p:sp>
       <p:pic>
         <p:nvPicPr>
-          <p:cNvPr id="3" name="Picture 2">
+          <p:cNvPr id="5" name="Picture 4">
             <a:extLst>
               <a:ext uri="{FF2B5EF4-FFF2-40B4-BE49-F238E27FC236}">
-                <a16:creationId xmlns:a16="http://schemas.microsoft.com/office/drawing/2014/main" id="{E378A6A6-53D6-07C6-4C04-F5CBBB065014}"/>
+                <a16:creationId xmlns:a16="http://schemas.microsoft.com/office/drawing/2014/main" id="{9EB803E7-946A-8AFE-A48C-30116E6F9AEB}"/>
               </a:ext>
             </a:extLst>
           </p:cNvPr>
@@ -14156,8 +13833,8 @@
         </p:blipFill>
         <p:spPr>
           <a:xfrm>
-            <a:off x="1697837" y="59890"/>
-            <a:ext cx="6092085" cy="5023719"/>
+            <a:off x="1113780" y="1244408"/>
+            <a:ext cx="7115820" cy="3899091"/>
           </a:xfrm>
           <a:prstGeom prst="rect">
             <a:avLst/>
@@ -14252,7 +13929,7 @@
         <p:spPr>
           <a:xfrm>
             <a:off x="457200" y="1200150"/>
-            <a:ext cx="8229600" cy="3943350"/>
+            <a:ext cx="8229600" cy="3394472"/>
           </a:xfrm>
           <a:prstGeom prst="rect">
             <a:avLst/>
@@ -14282,9 +13959,10 @@
               <a:buChar char="•"/>
             </a:pPr>
             <a:r>
-              <a:rPr lang="en-GB" sz="2000" dirty="0"/>
-              <a:t>Clear outlier: ‘NUM’ tag has the worst precision and recall (around 0.5), most often confused with ‘ADJ’</a:t>
+              <a:rPr lang="en-GB"/>
+              <a:t>&lt;list maximal confusions; which tag is confused with which tag most&gt;</a:t>
             </a:r>
+            <a:endParaRPr/>
           </a:p>
           <a:p>
             <a:pPr marL="457200" lvl="0" indent="-381000" algn="l" rtl="0">
@@ -14301,73 +13979,10 @@
               <a:buChar char="•"/>
             </a:pPr>
             <a:r>
-              <a:rPr lang="en-GB" sz="2000" dirty="0"/>
-              <a:t>Reasons for bad precision</a:t>
+              <a:rPr lang="en-GB"/>
+              <a:t>&lt;try giving reasons&gt;</a:t>
             </a:r>
-          </a:p>
-          <a:p>
-            <a:pPr lvl="1">
-              <a:buChar char="•"/>
-            </a:pPr>
-            <a:r>
-              <a:rPr lang="en-GB" sz="2000" dirty="0"/>
-              <a:t>Over-prediction of ‘one’, leading to a lot of false positives</a:t>
-            </a:r>
-          </a:p>
-          <a:p>
-            <a:pPr lvl="1">
-              <a:buChar char="•"/>
-            </a:pPr>
-            <a:r>
-              <a:rPr lang="en-GB" sz="2000" dirty="0"/>
-              <a:t>If number not in training dataset, an adjective could easily be tagged as a number</a:t>
-            </a:r>
-          </a:p>
-          <a:p>
-            <a:pPr marL="457200" lvl="0" indent="-381000" algn="l" rtl="0">
-              <a:lnSpc>
-                <a:spcPct val="100000"/>
-              </a:lnSpc>
-              <a:spcBef>
-                <a:spcPts val="480"/>
-              </a:spcBef>
-              <a:spcAft>
-                <a:spcPts val="0"/>
-              </a:spcAft>
-              <a:buSzPts val="2400"/>
-              <a:buChar char="•"/>
-            </a:pPr>
-            <a:r>
-              <a:rPr lang="en-GB" sz="2000" dirty="0"/>
-              <a:t>Reasons for bad recall</a:t>
-            </a:r>
-          </a:p>
-          <a:p>
-            <a:pPr lvl="1">
-              <a:buChar char="•"/>
-            </a:pPr>
-            <a:r>
-              <a:rPr lang="en-GB" sz="2000" dirty="0"/>
-              <a:t>Too many numbers, all not in dataset!</a:t>
-            </a:r>
-          </a:p>
-          <a:p>
-            <a:pPr lvl="1">
-              <a:buChar char="•"/>
-            </a:pPr>
-            <a:r>
-              <a:rPr lang="en-GB" sz="2000" dirty="0"/>
-              <a:t>Different formats, different contexts</a:t>
-            </a:r>
-          </a:p>
-          <a:p>
-            <a:pPr lvl="1">
-              <a:buChar char="•"/>
-            </a:pPr>
-            <a:r>
-              <a:rPr lang="en-GB" sz="2000" dirty="0"/>
-              <a:t>If a number not in dataset, a number could easily be tagged as an adjective</a:t>
-            </a:r>
+            <a:endParaRPr/>
           </a:p>
         </p:txBody>
       </p:sp>
@@ -14439,10 +14054,10 @@
               <a:buNone/>
             </a:pPr>
             <a:r>
-              <a:rPr lang="en-GB" dirty="0"/>
+              <a:rPr lang="en-GB"/>
               <a:t>Data Processing Info (Pre-processing)</a:t>
             </a:r>
-            <a:endParaRPr dirty="0"/>
+            <a:endParaRPr/>
           </a:p>
         </p:txBody>
       </p:sp>
@@ -14489,12 +14104,13 @@
               <a:buChar char="•"/>
             </a:pPr>
             <a:r>
-              <a:rPr lang="en-US" dirty="0"/>
-              <a:t>Tokenization: input text data is initially tokenized into individual words or tokens</a:t>
+              <a:rPr lang="en-GB"/>
+              <a:t>&lt;for example, lower casing, tokenization, etc.&gt;</a:t>
             </a:r>
+            <a:endParaRPr/>
           </a:p>
           <a:p>
-            <a:pPr marL="457200" lvl="0" indent="-381000" algn="l" rtl="0">
+            <a:pPr marL="457200" lvl="0" indent="-228600" algn="l" rtl="0">
               <a:lnSpc>
                 <a:spcPct val="100000"/>
               </a:lnSpc>
@@ -14505,15 +14121,12 @@
                 <a:spcPts val="0"/>
               </a:spcAft>
               <a:buSzPts val="2400"/>
-              <a:buChar char="•"/>
+              <a:buNone/>
             </a:pPr>
-            <a:r>
-              <a:rPr lang="en-US" dirty="0"/>
-              <a:t>Lowercasing: all words in the text are converted to lowercase, so that the model treats words with different cases</a:t>
-            </a:r>
+            <a:endParaRPr/>
           </a:p>
           <a:p>
-            <a:pPr marL="457200" lvl="0" indent="-381000" algn="l" rtl="0">
+            <a:pPr marL="457200" lvl="0" indent="-228600" algn="l" rtl="0">
               <a:lnSpc>
                 <a:spcPct val="100000"/>
               </a:lnSpc>
@@ -14524,13 +14137,9 @@
                 <a:spcPts val="0"/>
               </a:spcAft>
               <a:buSzPts val="2400"/>
-              <a:buChar char="•"/>
+              <a:buNone/>
             </a:pPr>
-            <a:r>
-              <a:rPr lang="en-US" dirty="0"/>
-              <a:t>Special Character Removal: special characters and punctuation not relevant for POS tagging are removed</a:t>
-            </a:r>
-            <a:endParaRPr lang="en-GB" dirty="0"/>
+            <a:endParaRPr/>
           </a:p>
         </p:txBody>
       </p:sp>
@@ -14652,12 +14261,13 @@
               <a:buChar char="•"/>
             </a:pPr>
             <a:r>
-              <a:rPr lang="en-US" sz="1600" dirty="0"/>
-              <a:t>Objective: Implementing the Viterbi algorithm for Part-of-Speech Tagging</a:t>
+              <a:rPr lang="en-GB"/>
+              <a:t>&lt;Describe VERY briefly how you implemented Viterbi; not allowed to use any library or API&gt;</a:t>
             </a:r>
+            <a:endParaRPr/>
           </a:p>
           <a:p>
-            <a:pPr marL="419100" lvl="0" indent="-342900" algn="l" rtl="0">
+            <a:pPr marL="457200" lvl="0" indent="-228600" algn="l" rtl="0">
               <a:lnSpc>
                 <a:spcPct val="100000"/>
               </a:lnSpc>
@@ -14668,91 +14278,9 @@
                 <a:spcPts val="0"/>
               </a:spcAft>
               <a:buSzPts val="2400"/>
-              <a:buChar char="•"/>
+              <a:buNone/>
             </a:pPr>
-            <a:r>
-              <a:rPr lang="en-US" sz="1600" dirty="0"/>
-              <a:t>Inputs: Tag-to-word probability dictionary, transition probability matrix, input sentence</a:t>
-            </a:r>
-          </a:p>
-          <a:p>
-            <a:pPr marL="419100" lvl="0" indent="-342900" algn="l" rtl="0">
-              <a:lnSpc>
-                <a:spcPct val="100000"/>
-              </a:lnSpc>
-              <a:spcBef>
-                <a:spcPts val="480"/>
-              </a:spcBef>
-              <a:spcAft>
-                <a:spcPts val="0"/>
-              </a:spcAft>
-              <a:buSzPts val="2400"/>
-              <a:buChar char="•"/>
-            </a:pPr>
-            <a:r>
-              <a:rPr lang="en-US" sz="1600" dirty="0"/>
-              <a:t>Processing:</a:t>
-            </a:r>
-          </a:p>
-          <a:p>
-            <a:pPr marL="876300" lvl="1" indent="-342900">
-              <a:buChar char="•"/>
-            </a:pPr>
-            <a:r>
-              <a:rPr lang="en-US" sz="1600" dirty="0"/>
-              <a:t>Iterate through each word in the input sentence</a:t>
-            </a:r>
-          </a:p>
-          <a:p>
-            <a:pPr marL="876300" lvl="1" indent="-342900">
-              <a:buChar char="•"/>
-            </a:pPr>
-            <a:r>
-              <a:rPr lang="en-US" sz="1600" dirty="0"/>
-              <a:t>For each word, iterate through the current tag sequences</a:t>
-            </a:r>
-          </a:p>
-          <a:p>
-            <a:pPr marL="876300" lvl="1" indent="-342900">
-              <a:buChar char="•"/>
-            </a:pPr>
-            <a:r>
-              <a:rPr lang="en-US" sz="1600" dirty="0"/>
-              <a:t>Calculate the lexical probability of the word given the tag using the probability dictionary</a:t>
-            </a:r>
-          </a:p>
-          <a:p>
-            <a:pPr marL="876300" lvl="1" indent="-342900">
-              <a:buChar char="•"/>
-            </a:pPr>
-            <a:r>
-              <a:rPr lang="en-US" sz="1600" dirty="0"/>
-              <a:t>Calculate the transition probability from previous tag to the new tag using the transition matrix</a:t>
-            </a:r>
-          </a:p>
-          <a:p>
-            <a:pPr marL="876300" lvl="1" indent="-342900">
-              <a:buChar char="•"/>
-            </a:pPr>
-            <a:r>
-              <a:rPr lang="en-US" sz="1600" dirty="0"/>
-              <a:t>Retain the top (</a:t>
-            </a:r>
-            <a:r>
-              <a:rPr lang="en-US" sz="1600" dirty="0" err="1"/>
-              <a:t>max_entries</a:t>
-            </a:r>
-            <a:r>
-              <a:rPr lang="en-US" sz="1600" dirty="0"/>
-              <a:t>) tag sequences formed with the highest probability, and repeat</a:t>
-            </a:r>
-          </a:p>
-          <a:p>
-            <a:pPr marL="419100" indent="-342900"/>
-            <a:r>
-              <a:rPr lang="en-US" sz="1600" dirty="0"/>
-              <a:t>Output: tag sequence with highest probability</a:t>
-            </a:r>
+            <a:endParaRPr/>
           </a:p>
         </p:txBody>
       </p:sp>
@@ -15733,6 +15261,21 @@
 </file>
 
 <file path=customXml/item1.xml><?xml version="1.0" encoding="utf-8"?>
+<?mso-contentType ?>
+<FormTemplates xmlns="http://schemas.microsoft.com/sharepoint/v3/contenttype/forms">
+  <Display>DocumentLibraryForm</Display>
+  <Edit>DocumentLibraryForm</Edit>
+  <New>DocumentLibraryForm</New>
+</FormTemplates>
+</file>
+
+<file path=customXml/item2.xml><?xml version="1.0" encoding="utf-8"?>
+<p:properties xmlns:p="http://schemas.microsoft.com/office/2006/metadata/properties" xmlns:xsi="http://www.w3.org/2001/XMLSchema-instance" xmlns:pc="http://schemas.microsoft.com/office/infopath/2007/PartnerControls">
+  <documentManagement/>
+</p:properties>
+</file>
+
+<file path=customXml/item3.xml><?xml version="1.0" encoding="utf-8"?>
 <ct:contentTypeSchema xmlns:ct="http://schemas.microsoft.com/office/2006/metadata/contentType" xmlns:ma="http://schemas.microsoft.com/office/2006/metadata/properties/metaAttributes" ct:_="" ma:_="" ma:contentTypeName="Document" ma:contentTypeID="0x010100253AC9B578968F4B8BFCF09837AF7C8A" ma:contentTypeVersion="9" ma:contentTypeDescription="Create a new document." ma:contentTypeScope="" ma:versionID="c4adfd5fab4e5e363f3575a43218648d">
   <xsd:schema xmlns:xsd="http://www.w3.org/2001/XMLSchema" xmlns:xs="http://www.w3.org/2001/XMLSchema" xmlns:p="http://schemas.microsoft.com/office/2006/metadata/properties" xmlns:ns2="6750e4af-3250-4633-942a-2005b2dae5d1" xmlns:ns3="83c60fad-5858-41f2-aefd-63538264e470" targetNamespace="http://schemas.microsoft.com/office/2006/metadata/properties" ma:root="true" ma:fieldsID="64d25d737bf78ac0e2487d75ce622ff7" ns2:_="" ns3:_="">
     <xsd:import namespace="6750e4af-3250-4633-942a-2005b2dae5d1"/>
@@ -15927,22 +15470,24 @@
 </ct:contentTypeSchema>
 </file>
 
-<file path=customXml/item2.xml><?xml version="1.0" encoding="utf-8"?>
-<p:properties xmlns:p="http://schemas.microsoft.com/office/2006/metadata/properties" xmlns:xsi="http://www.w3.org/2001/XMLSchema-instance" xmlns:pc="http://schemas.microsoft.com/office/infopath/2007/PartnerControls">
-  <documentManagement/>
-</p:properties>
+<file path=customXml/itemProps1.xml><?xml version="1.0" encoding="utf-8"?>
+<ds:datastoreItem xmlns:ds="http://schemas.openxmlformats.org/officeDocument/2006/customXml" ds:itemID="{FE97D275-BE8D-4C41-8C4B-EF5ED5C11BC0}">
+  <ds:schemaRefs>
+    <ds:schemaRef ds:uri="http://schemas.microsoft.com/sharepoint/v3/contenttype/forms"/>
+  </ds:schemaRefs>
+</ds:datastoreItem>
 </file>
 
-<file path=customXml/item3.xml><?xml version="1.0" encoding="utf-8"?>
-<?mso-contentType ?>
-<FormTemplates xmlns="http://schemas.microsoft.com/sharepoint/v3/contenttype/forms">
-  <Display>DocumentLibraryForm</Display>
-  <Edit>DocumentLibraryForm</Edit>
-  <New>DocumentLibraryForm</New>
-</FormTemplates>
+<file path=customXml/itemProps2.xml><?xml version="1.0" encoding="utf-8"?>
+<ds:datastoreItem xmlns:ds="http://schemas.openxmlformats.org/officeDocument/2006/customXml" ds:itemID="{8BCEF15E-E479-4F6D-BD2E-9BD7AB469B25}">
+  <ds:schemaRefs>
+    <ds:schemaRef ds:uri="http://schemas.microsoft.com/office/2006/metadata/properties"/>
+    <ds:schemaRef ds:uri="http://schemas.microsoft.com/office/infopath/2007/PartnerControls"/>
+  </ds:schemaRefs>
+</ds:datastoreItem>
 </file>
 
-<file path=customXml/itemProps1.xml><?xml version="1.0" encoding="utf-8"?>
+<file path=customXml/itemProps3.xml><?xml version="1.0" encoding="utf-8"?>
 <ds:datastoreItem xmlns:ds="http://schemas.openxmlformats.org/officeDocument/2006/customXml" ds:itemID="{C82D0DC1-C67D-486A-8AAD-20D0631192BF}">
   <ds:schemaRefs>
     <ds:schemaRef ds:uri="http://schemas.microsoft.com/office/2006/metadata/contentType"/>
@@ -15959,21 +15504,4 @@
     <ds:schemaRef ds:uri="http://schemas.microsoft.com/internal/obd"/>
   </ds:schemaRefs>
 </ds:datastoreItem>
-</file>
-
-<file path=customXml/itemProps2.xml><?xml version="1.0" encoding="utf-8"?>
-<ds:datastoreItem xmlns:ds="http://schemas.openxmlformats.org/officeDocument/2006/customXml" ds:itemID="{8BCEF15E-E479-4F6D-BD2E-9BD7AB469B25}">
-  <ds:schemaRefs>
-    <ds:schemaRef ds:uri="http://schemas.microsoft.com/office/2006/metadata/properties"/>
-    <ds:schemaRef ds:uri="http://schemas.microsoft.com/office/infopath/2007/PartnerControls"/>
-  </ds:schemaRefs>
-</ds:datastoreItem>
-</file>
-
-<file path=customXml/itemProps3.xml><?xml version="1.0" encoding="utf-8"?>
-<ds:datastoreItem xmlns:ds="http://schemas.openxmlformats.org/officeDocument/2006/customXml" ds:itemID="{FE97D275-BE8D-4C41-8C4B-EF5ED5C11BC0}">
-  <ds:schemaRefs>
-    <ds:schemaRef ds:uri="http://schemas.microsoft.com/sharepoint/v3/contenttype/forms"/>
-  </ds:schemaRefs>
-</ds:datastoreItem>
 </file>
--- a/Assignment 2-PoS tagging.pptx
+++ b/Assignment 2-PoS tagging.pptx
@@ -18,8 +18,8 @@
     <p:sldId id="262" r:id="rId12"/>
     <p:sldId id="263" r:id="rId13"/>
     <p:sldId id="264" r:id="rId14"/>
-    <p:sldId id="265" r:id="rId15"/>
-    <p:sldId id="266" r:id="rId16"/>
+    <p:sldId id="266" r:id="rId15"/>
+    <p:sldId id="265" r:id="rId16"/>
   </p:sldIdLst>
   <p:sldSz cx="9144000" cy="5143500" type="screen16x9"/>
   <p:notesSz cx="6858000" cy="9144000"/>
@@ -883,7 +883,7 @@
   <p:cSld>
     <p:spTree>
       <p:nvGrpSpPr>
-        <p:cNvPr id="1" name="Shape 142"/>
+        <p:cNvPr id="1" name="Shape 148"/>
         <p:cNvGrpSpPr/>
         <p:nvPr/>
       </p:nvGrpSpPr>
@@ -897,7 +897,7 @@
       </p:grpSpPr>
       <p:sp>
         <p:nvSpPr>
-          <p:cNvPr id="143" name="Google Shape;143;g28910898772_1_84:notes"/>
+          <p:cNvPr id="149" name="Google Shape;149;g28910898772_1_89:notes"/>
           <p:cNvSpPr txBox="1">
             <a:spLocks noGrp="1"/>
           </p:cNvSpPr>
@@ -935,7 +935,7 @@
       </p:sp>
       <p:sp>
         <p:nvSpPr>
-          <p:cNvPr id="144" name="Google Shape;144;g28910898772_1_84:notes"/>
+          <p:cNvPr id="150" name="Google Shape;150;g28910898772_1_89:notes"/>
           <p:cNvSpPr>
             <a:spLocks noGrp="1" noRot="1" noChangeAspect="1"/>
           </p:cNvSpPr>
@@ -987,7 +987,7 @@
   <p:cSld>
     <p:spTree>
       <p:nvGrpSpPr>
-        <p:cNvPr id="1" name="Shape 148"/>
+        <p:cNvPr id="1" name="Shape 142"/>
         <p:cNvGrpSpPr/>
         <p:nvPr/>
       </p:nvGrpSpPr>
@@ -1001,7 +1001,7 @@
       </p:grpSpPr>
       <p:sp>
         <p:nvSpPr>
-          <p:cNvPr id="149" name="Google Shape;149;g28910898772_1_89:notes"/>
+          <p:cNvPr id="143" name="Google Shape;143;g28910898772_1_84:notes"/>
           <p:cNvSpPr txBox="1">
             <a:spLocks noGrp="1"/>
           </p:cNvSpPr>
@@ -1039,7 +1039,7 @@
       </p:sp>
       <p:sp>
         <p:nvSpPr>
-          <p:cNvPr id="150" name="Google Shape;150;g28910898772_1_89:notes"/>
+          <p:cNvPr id="144" name="Google Shape;144;g28910898772_1_84:notes"/>
           <p:cNvSpPr>
             <a:spLocks noGrp="1" noRot="1" noChangeAspect="1"/>
           </p:cNvSpPr>
@@ -12797,6 +12797,500 @@
   <p:cSld>
     <p:spTree>
       <p:nvGrpSpPr>
+        <p:cNvPr id="1" name="Shape 151"/>
+        <p:cNvGrpSpPr/>
+        <p:nvPr/>
+      </p:nvGrpSpPr>
+      <p:grpSpPr>
+        <a:xfrm>
+          <a:off x="0" y="0"/>
+          <a:ext cx="0" cy="0"/>
+          <a:chOff x="0" y="0"/>
+          <a:chExt cx="0" cy="0"/>
+        </a:xfrm>
+      </p:grpSpPr>
+      <p:sp>
+        <p:nvSpPr>
+          <p:cNvPr id="152" name="Google Shape;152;p34"/>
+          <p:cNvSpPr txBox="1">
+            <a:spLocks noGrp="1"/>
+          </p:cNvSpPr>
+          <p:nvPr>
+            <p:ph type="title"/>
+          </p:nvPr>
+        </p:nvSpPr>
+        <p:spPr>
+          <a:xfrm>
+            <a:off x="457200" y="205978"/>
+            <a:ext cx="8229600" cy="857250"/>
+          </a:xfrm>
+          <a:prstGeom prst="rect">
+            <a:avLst/>
+          </a:prstGeom>
+          <a:noFill/>
+          <a:ln>
+            <a:noFill/>
+          </a:ln>
+        </p:spPr>
+        <p:txBody>
+          <a:bodyPr spcFirstLastPara="1" wrap="square" lIns="91425" tIns="45700" rIns="91425" bIns="45700" anchor="ctr" anchorCtr="0">
+            <a:noAutofit/>
+          </a:bodyPr>
+          <a:lstStyle/>
+          <a:p>
+            <a:pPr marL="0" lvl="0" indent="0" algn="ctr" rtl="0">
+              <a:lnSpc>
+                <a:spcPct val="100000"/>
+              </a:lnSpc>
+              <a:spcBef>
+                <a:spcPts val="0"/>
+              </a:spcBef>
+              <a:spcAft>
+                <a:spcPts val="0"/>
+              </a:spcAft>
+              <a:buSzPts val="1400"/>
+              <a:buNone/>
+            </a:pPr>
+            <a:r>
+              <a:rPr lang="en-GB" dirty="0"/>
+              <a:t>Any thoughts on generative vs. discriminative POS tagging</a:t>
+            </a:r>
+            <a:endParaRPr dirty="0"/>
+          </a:p>
+        </p:txBody>
+      </p:sp>
+      <p:sp>
+        <p:nvSpPr>
+          <p:cNvPr id="153" name="Google Shape;153;p34"/>
+          <p:cNvSpPr txBox="1">
+            <a:spLocks noGrp="1"/>
+          </p:cNvSpPr>
+          <p:nvPr>
+            <p:ph type="body" idx="1"/>
+          </p:nvPr>
+        </p:nvSpPr>
+        <p:spPr>
+          <a:xfrm>
+            <a:off x="457200" y="1275777"/>
+            <a:ext cx="3901669" cy="3394472"/>
+          </a:xfrm>
+          <a:prstGeom prst="rect">
+            <a:avLst/>
+          </a:prstGeom>
+          <a:noFill/>
+          <a:ln>
+            <a:noFill/>
+          </a:ln>
+        </p:spPr>
+        <p:txBody>
+          <a:bodyPr spcFirstLastPara="1" wrap="square" lIns="91425" tIns="45700" rIns="91425" bIns="45700" anchor="t" anchorCtr="0">
+            <a:noAutofit/>
+          </a:bodyPr>
+          <a:lstStyle/>
+          <a:p>
+            <a:pPr marL="457200" lvl="0" indent="-228600" algn="l" rtl="0">
+              <a:lnSpc>
+                <a:spcPct val="100000"/>
+              </a:lnSpc>
+              <a:spcBef>
+                <a:spcPts val="480"/>
+              </a:spcBef>
+              <a:spcAft>
+                <a:spcPts val="0"/>
+              </a:spcAft>
+              <a:buSzPts val="2400"/>
+              <a:buNone/>
+            </a:pPr>
+            <a:r>
+              <a:rPr lang="en-IN" dirty="0"/>
+              <a:t>Generative</a:t>
+            </a:r>
+          </a:p>
+          <a:p>
+            <a:pPr marL="571500" indent="-342900"/>
+            <a:r>
+              <a:rPr lang="en-IN" sz="1800" dirty="0"/>
+              <a:t>Harder to encode diverse information with respect to words and sentences</a:t>
+            </a:r>
+          </a:p>
+          <a:p>
+            <a:pPr marL="571500" indent="-342900"/>
+            <a:r>
+              <a:rPr lang="en-IN" sz="1800" dirty="0"/>
+              <a:t>Generative models like HMMs would tend to work better with smaller datasets</a:t>
+            </a:r>
+          </a:p>
+          <a:p>
+            <a:pPr marL="571500" indent="-342900"/>
+            <a:r>
+              <a:rPr lang="en-IN" sz="1800" dirty="0"/>
+              <a:t>Easier to interpret parameters, in general</a:t>
+            </a:r>
+          </a:p>
+        </p:txBody>
+      </p:sp>
+      <p:sp>
+        <p:nvSpPr>
+          <p:cNvPr id="2" name="Google Shape;153;p34">
+            <a:extLst>
+              <a:ext uri="{FF2B5EF4-FFF2-40B4-BE49-F238E27FC236}">
+                <a16:creationId xmlns:a16="http://schemas.microsoft.com/office/drawing/2014/main" id="{B06ECC2E-0596-0F00-7BE8-75A6886E092B}"/>
+              </a:ext>
+            </a:extLst>
+          </p:cNvPr>
+          <p:cNvSpPr txBox="1">
+            <a:spLocks/>
+          </p:cNvSpPr>
+          <p:nvPr/>
+        </p:nvSpPr>
+        <p:spPr>
+          <a:xfrm>
+            <a:off x="4847011" y="1275777"/>
+            <a:ext cx="4118231" cy="3394472"/>
+          </a:xfrm>
+          <a:prstGeom prst="rect">
+            <a:avLst/>
+          </a:prstGeom>
+          <a:noFill/>
+          <a:ln>
+            <a:noFill/>
+          </a:ln>
+        </p:spPr>
+        <p:txBody>
+          <a:bodyPr spcFirstLastPara="1" wrap="square" lIns="91425" tIns="45700" rIns="91425" bIns="45700" anchor="t" anchorCtr="0">
+            <a:noAutofit/>
+          </a:bodyPr>
+          <a:lstStyle>
+            <a:defPPr marR="0" lvl="0" algn="l" rtl="0">
+              <a:lnSpc>
+                <a:spcPct val="100000"/>
+              </a:lnSpc>
+              <a:spcBef>
+                <a:spcPts val="0"/>
+              </a:spcBef>
+              <a:spcAft>
+                <a:spcPts val="0"/>
+              </a:spcAft>
+            </a:defPPr>
+            <a:lvl1pPr marL="457200" marR="0" lvl="0" indent="-381000" algn="l" rtl="0">
+              <a:lnSpc>
+                <a:spcPct val="100000"/>
+              </a:lnSpc>
+              <a:spcBef>
+                <a:spcPts val="480"/>
+              </a:spcBef>
+              <a:spcAft>
+                <a:spcPts val="0"/>
+              </a:spcAft>
+              <a:buClr>
+                <a:srgbClr val="0000FF"/>
+              </a:buClr>
+              <a:buSzPts val="2400"/>
+              <a:buFont typeface="Arial"/>
+              <a:buChar char="•"/>
+              <a:defRPr sz="2400" b="0" i="0" u="none" strike="noStrike" cap="none">
+                <a:solidFill>
+                  <a:srgbClr val="0000FF"/>
+                </a:solidFill>
+                <a:latin typeface="Arial"/>
+                <a:ea typeface="Arial"/>
+                <a:cs typeface="Arial"/>
+                <a:sym typeface="Arial"/>
+              </a:defRPr>
+            </a:lvl1pPr>
+            <a:lvl2pPr marL="914400" marR="0" lvl="1" indent="-381000" algn="l" rtl="0">
+              <a:lnSpc>
+                <a:spcPct val="100000"/>
+              </a:lnSpc>
+              <a:spcBef>
+                <a:spcPts val="480"/>
+              </a:spcBef>
+              <a:spcAft>
+                <a:spcPts val="0"/>
+              </a:spcAft>
+              <a:buClr>
+                <a:srgbClr val="0000FF"/>
+              </a:buClr>
+              <a:buSzPts val="2400"/>
+              <a:buFont typeface="Arial"/>
+              <a:buChar char="–"/>
+              <a:defRPr sz="2400" b="0" i="0" u="none" strike="noStrike" cap="none">
+                <a:solidFill>
+                  <a:srgbClr val="0000FF"/>
+                </a:solidFill>
+                <a:latin typeface="Arial"/>
+                <a:ea typeface="Arial"/>
+                <a:cs typeface="Arial"/>
+                <a:sym typeface="Arial"/>
+              </a:defRPr>
+            </a:lvl2pPr>
+            <a:lvl3pPr marL="1371600" marR="0" lvl="2" indent="-381000" algn="l" rtl="0">
+              <a:lnSpc>
+                <a:spcPct val="100000"/>
+              </a:lnSpc>
+              <a:spcBef>
+                <a:spcPts val="480"/>
+              </a:spcBef>
+              <a:spcAft>
+                <a:spcPts val="0"/>
+              </a:spcAft>
+              <a:buClr>
+                <a:srgbClr val="0000FF"/>
+              </a:buClr>
+              <a:buSzPts val="2400"/>
+              <a:buFont typeface="Arial"/>
+              <a:buChar char="•"/>
+              <a:defRPr sz="2400" b="0" i="0" u="none" strike="noStrike" cap="none">
+                <a:solidFill>
+                  <a:srgbClr val="0000FF"/>
+                </a:solidFill>
+                <a:latin typeface="Arial"/>
+                <a:ea typeface="Arial"/>
+                <a:cs typeface="Arial"/>
+                <a:sym typeface="Arial"/>
+              </a:defRPr>
+            </a:lvl3pPr>
+            <a:lvl4pPr marL="1828800" marR="0" lvl="3" indent="-381000" algn="l" rtl="0">
+              <a:lnSpc>
+                <a:spcPct val="100000"/>
+              </a:lnSpc>
+              <a:spcBef>
+                <a:spcPts val="480"/>
+              </a:spcBef>
+              <a:spcAft>
+                <a:spcPts val="0"/>
+              </a:spcAft>
+              <a:buClr>
+                <a:srgbClr val="0000FF"/>
+              </a:buClr>
+              <a:buSzPts val="2400"/>
+              <a:buFont typeface="Arial"/>
+              <a:buChar char="–"/>
+              <a:defRPr sz="2400" b="0" i="0" u="none" strike="noStrike" cap="none">
+                <a:solidFill>
+                  <a:srgbClr val="0000FF"/>
+                </a:solidFill>
+                <a:latin typeface="Arial"/>
+                <a:ea typeface="Arial"/>
+                <a:cs typeface="Arial"/>
+                <a:sym typeface="Arial"/>
+              </a:defRPr>
+            </a:lvl4pPr>
+            <a:lvl5pPr marL="2286000" marR="0" lvl="4" indent="-381000" algn="l" rtl="0">
+              <a:lnSpc>
+                <a:spcPct val="100000"/>
+              </a:lnSpc>
+              <a:spcBef>
+                <a:spcPts val="480"/>
+              </a:spcBef>
+              <a:spcAft>
+                <a:spcPts val="0"/>
+              </a:spcAft>
+              <a:buClr>
+                <a:srgbClr val="0000FF"/>
+              </a:buClr>
+              <a:buSzPts val="2400"/>
+              <a:buFont typeface="Arial"/>
+              <a:buChar char="»"/>
+              <a:defRPr sz="2400" b="0" i="0" u="none" strike="noStrike" cap="none">
+                <a:solidFill>
+                  <a:srgbClr val="0000FF"/>
+                </a:solidFill>
+                <a:latin typeface="Arial"/>
+                <a:ea typeface="Arial"/>
+                <a:cs typeface="Arial"/>
+                <a:sym typeface="Arial"/>
+              </a:defRPr>
+            </a:lvl5pPr>
+            <a:lvl6pPr marL="2743200" marR="0" lvl="5" indent="-381000" algn="l" rtl="0">
+              <a:lnSpc>
+                <a:spcPct val="100000"/>
+              </a:lnSpc>
+              <a:spcBef>
+                <a:spcPts val="480"/>
+              </a:spcBef>
+              <a:spcAft>
+                <a:spcPts val="0"/>
+              </a:spcAft>
+              <a:buClr>
+                <a:srgbClr val="0000FF"/>
+              </a:buClr>
+              <a:buSzPts val="2400"/>
+              <a:buFont typeface="Arial"/>
+              <a:buChar char="»"/>
+              <a:defRPr sz="2400" b="0" i="0" u="none" strike="noStrike" cap="none">
+                <a:solidFill>
+                  <a:srgbClr val="0000FF"/>
+                </a:solidFill>
+                <a:latin typeface="Arial"/>
+                <a:ea typeface="Arial"/>
+                <a:cs typeface="Arial"/>
+                <a:sym typeface="Arial"/>
+              </a:defRPr>
+            </a:lvl6pPr>
+            <a:lvl7pPr marL="3200400" marR="0" lvl="6" indent="-381000" algn="l" rtl="0">
+              <a:lnSpc>
+                <a:spcPct val="100000"/>
+              </a:lnSpc>
+              <a:spcBef>
+                <a:spcPts val="480"/>
+              </a:spcBef>
+              <a:spcAft>
+                <a:spcPts val="0"/>
+              </a:spcAft>
+              <a:buClr>
+                <a:srgbClr val="0000FF"/>
+              </a:buClr>
+              <a:buSzPts val="2400"/>
+              <a:buFont typeface="Arial"/>
+              <a:buChar char="»"/>
+              <a:defRPr sz="2400" b="0" i="0" u="none" strike="noStrike" cap="none">
+                <a:solidFill>
+                  <a:srgbClr val="0000FF"/>
+                </a:solidFill>
+                <a:latin typeface="Arial"/>
+                <a:ea typeface="Arial"/>
+                <a:cs typeface="Arial"/>
+                <a:sym typeface="Arial"/>
+              </a:defRPr>
+            </a:lvl7pPr>
+            <a:lvl8pPr marL="3657600" marR="0" lvl="7" indent="-381000" algn="l" rtl="0">
+              <a:lnSpc>
+                <a:spcPct val="100000"/>
+              </a:lnSpc>
+              <a:spcBef>
+                <a:spcPts val="480"/>
+              </a:spcBef>
+              <a:spcAft>
+                <a:spcPts val="0"/>
+              </a:spcAft>
+              <a:buClr>
+                <a:srgbClr val="0000FF"/>
+              </a:buClr>
+              <a:buSzPts val="2400"/>
+              <a:buFont typeface="Arial"/>
+              <a:buChar char="»"/>
+              <a:defRPr sz="2400" b="0" i="0" u="none" strike="noStrike" cap="none">
+                <a:solidFill>
+                  <a:srgbClr val="0000FF"/>
+                </a:solidFill>
+                <a:latin typeface="Arial"/>
+                <a:ea typeface="Arial"/>
+                <a:cs typeface="Arial"/>
+                <a:sym typeface="Arial"/>
+              </a:defRPr>
+            </a:lvl8pPr>
+            <a:lvl9pPr marL="4114800" marR="0" lvl="8" indent="-381000" algn="l" rtl="0">
+              <a:lnSpc>
+                <a:spcPct val="100000"/>
+              </a:lnSpc>
+              <a:spcBef>
+                <a:spcPts val="480"/>
+              </a:spcBef>
+              <a:spcAft>
+                <a:spcPts val="0"/>
+              </a:spcAft>
+              <a:buClr>
+                <a:srgbClr val="0000FF"/>
+              </a:buClr>
+              <a:buSzPts val="2400"/>
+              <a:buFont typeface="Arial"/>
+              <a:buChar char="»"/>
+              <a:defRPr sz="2400" b="0" i="0" u="none" strike="noStrike" cap="none">
+                <a:solidFill>
+                  <a:srgbClr val="0000FF"/>
+                </a:solidFill>
+                <a:latin typeface="Arial"/>
+                <a:ea typeface="Arial"/>
+                <a:cs typeface="Arial"/>
+                <a:sym typeface="Arial"/>
+              </a:defRPr>
+            </a:lvl9pPr>
+          </a:lstStyle>
+          <a:p>
+            <a:pPr indent="-228600">
+              <a:buFont typeface="Arial"/>
+              <a:buNone/>
+            </a:pPr>
+            <a:r>
+              <a:rPr lang="en-IN" dirty="0"/>
+              <a:t>Discriminative</a:t>
+            </a:r>
+          </a:p>
+          <a:p>
+            <a:pPr marL="571500" indent="-342900"/>
+            <a:r>
+              <a:rPr lang="en-IN" sz="1800" dirty="0"/>
+              <a:t>Easier to encode linguistic and contextual features for words and sentence structures</a:t>
+            </a:r>
+          </a:p>
+          <a:p>
+            <a:pPr marL="571500" indent="-342900"/>
+            <a:r>
+              <a:rPr lang="en-IN" sz="1800" dirty="0"/>
+              <a:t>Discriminative models would require more data, and more kind of data, to work well</a:t>
+            </a:r>
+          </a:p>
+          <a:p>
+            <a:pPr marL="571500" indent="-342900"/>
+            <a:r>
+              <a:rPr lang="en-IN" sz="1800" dirty="0"/>
+              <a:t>More difficult to interpret parameters</a:t>
+            </a:r>
+          </a:p>
+        </p:txBody>
+      </p:sp>
+      <p:cxnSp>
+        <p:nvCxnSpPr>
+          <p:cNvPr id="4" name="Straight Connector 3">
+            <a:extLst>
+              <a:ext uri="{FF2B5EF4-FFF2-40B4-BE49-F238E27FC236}">
+                <a16:creationId xmlns:a16="http://schemas.microsoft.com/office/drawing/2014/main" id="{614A3AF8-A5C0-276E-B86E-E16FE5467062}"/>
+              </a:ext>
+            </a:extLst>
+          </p:cNvPr>
+          <p:cNvCxnSpPr>
+            <a:cxnSpLocks/>
+          </p:cNvCxnSpPr>
+          <p:nvPr/>
+        </p:nvCxnSpPr>
+        <p:spPr>
+          <a:xfrm>
+            <a:off x="4475747" y="1381913"/>
+            <a:ext cx="0" cy="3761587"/>
+          </a:xfrm>
+          <a:prstGeom prst="line">
+            <a:avLst/>
+          </a:prstGeom>
+        </p:spPr>
+        <p:style>
+          <a:lnRef idx="1">
+            <a:schemeClr val="accent1"/>
+          </a:lnRef>
+          <a:fillRef idx="0">
+            <a:schemeClr val="accent1"/>
+          </a:fillRef>
+          <a:effectRef idx="0">
+            <a:schemeClr val="accent1"/>
+          </a:effectRef>
+          <a:fontRef idx="minor">
+            <a:schemeClr val="tx1"/>
+          </a:fontRef>
+        </p:style>
+      </p:cxnSp>
+    </p:spTree>
+  </p:cSld>
+  <p:clrMapOvr>
+    <a:masterClrMapping/>
+  </p:clrMapOvr>
+</p:sld>
+</file>
+
+<file path=ppt/slides/slide11.xml><?xml version="1.0" encoding="utf-8"?>
+<p:sld xmlns:a="http://schemas.openxmlformats.org/drawingml/2006/main" xmlns:r="http://schemas.openxmlformats.org/officeDocument/2006/relationships" xmlns:p="http://schemas.openxmlformats.org/presentationml/2006/main" show="0">
+  <p:cSld>
+    <p:spTree>
+      <p:nvGrpSpPr>
         <p:cNvPr id="1" name="Shape 145"/>
         <p:cNvGrpSpPr/>
         <p:nvPr/>
@@ -13005,127 +13499,6 @@
               <a:rPr lang="en-GB"/>
               <a:t>6. Unknown word handling- done (5/5; else 0)</a:t>
             </a:r>
-            <a:endParaRPr/>
-          </a:p>
-        </p:txBody>
-      </p:sp>
-    </p:spTree>
-  </p:cSld>
-  <p:clrMapOvr>
-    <a:masterClrMapping/>
-  </p:clrMapOvr>
-</p:sld>
-</file>
-
-<file path=ppt/slides/slide11.xml><?xml version="1.0" encoding="utf-8"?>
-<p:sld xmlns:a="http://schemas.openxmlformats.org/drawingml/2006/main" xmlns:r="http://schemas.openxmlformats.org/officeDocument/2006/relationships" xmlns:p="http://schemas.openxmlformats.org/presentationml/2006/main">
-  <p:cSld>
-    <p:spTree>
-      <p:nvGrpSpPr>
-        <p:cNvPr id="1" name="Shape 151"/>
-        <p:cNvGrpSpPr/>
-        <p:nvPr/>
-      </p:nvGrpSpPr>
-      <p:grpSpPr>
-        <a:xfrm>
-          <a:off x="0" y="0"/>
-          <a:ext cx="0" cy="0"/>
-          <a:chOff x="0" y="0"/>
-          <a:chExt cx="0" cy="0"/>
-        </a:xfrm>
-      </p:grpSpPr>
-      <p:sp>
-        <p:nvSpPr>
-          <p:cNvPr id="152" name="Google Shape;152;p34"/>
-          <p:cNvSpPr txBox="1">
-            <a:spLocks noGrp="1"/>
-          </p:cNvSpPr>
-          <p:nvPr>
-            <p:ph type="title"/>
-          </p:nvPr>
-        </p:nvSpPr>
-        <p:spPr>
-          <a:xfrm>
-            <a:off x="457200" y="205978"/>
-            <a:ext cx="8229600" cy="857250"/>
-          </a:xfrm>
-          <a:prstGeom prst="rect">
-            <a:avLst/>
-          </a:prstGeom>
-          <a:noFill/>
-          <a:ln>
-            <a:noFill/>
-          </a:ln>
-        </p:spPr>
-        <p:txBody>
-          <a:bodyPr spcFirstLastPara="1" wrap="square" lIns="91425" tIns="45700" rIns="91425" bIns="45700" anchor="ctr" anchorCtr="0">
-            <a:noAutofit/>
-          </a:bodyPr>
-          <a:lstStyle/>
-          <a:p>
-            <a:pPr marL="0" lvl="0" indent="0" algn="ctr" rtl="0">
-              <a:lnSpc>
-                <a:spcPct val="100000"/>
-              </a:lnSpc>
-              <a:spcBef>
-                <a:spcPts val="0"/>
-              </a:spcBef>
-              <a:spcAft>
-                <a:spcPts val="0"/>
-              </a:spcAft>
-              <a:buSzPts val="1400"/>
-              <a:buNone/>
-            </a:pPr>
-            <a:r>
-              <a:rPr lang="en-GB"/>
-              <a:t>Any thoughts on generative vs. discriminative POS tagging</a:t>
-            </a:r>
-            <a:endParaRPr/>
-          </a:p>
-        </p:txBody>
-      </p:sp>
-      <p:sp>
-        <p:nvSpPr>
-          <p:cNvPr id="153" name="Google Shape;153;p34"/>
-          <p:cNvSpPr txBox="1">
-            <a:spLocks noGrp="1"/>
-          </p:cNvSpPr>
-          <p:nvPr>
-            <p:ph type="body" idx="1"/>
-          </p:nvPr>
-        </p:nvSpPr>
-        <p:spPr>
-          <a:xfrm>
-            <a:off x="457200" y="1200150"/>
-            <a:ext cx="8229600" cy="3394472"/>
-          </a:xfrm>
-          <a:prstGeom prst="rect">
-            <a:avLst/>
-          </a:prstGeom>
-          <a:noFill/>
-          <a:ln>
-            <a:noFill/>
-          </a:ln>
-        </p:spPr>
-        <p:txBody>
-          <a:bodyPr spcFirstLastPara="1" wrap="square" lIns="91425" tIns="45700" rIns="91425" bIns="45700" anchor="t" anchorCtr="0">
-            <a:noAutofit/>
-          </a:bodyPr>
-          <a:lstStyle/>
-          <a:p>
-            <a:pPr marL="457200" lvl="0" indent="-228600" algn="l" rtl="0">
-              <a:lnSpc>
-                <a:spcPct val="100000"/>
-              </a:lnSpc>
-              <a:spcBef>
-                <a:spcPts val="480"/>
-              </a:spcBef>
-              <a:spcAft>
-                <a:spcPts val="0"/>
-              </a:spcAft>
-              <a:buSzPts val="2400"/>
-              <a:buNone/>
-            </a:pPr>
             <a:endParaRPr/>
           </a:p>
         </p:txBody>
@@ -13692,10 +14065,10 @@
       </p:sp>
       <p:pic>
         <p:nvPicPr>
-          <p:cNvPr id="3" name="Picture 2">
+          <p:cNvPr id="4" name="Picture 3">
             <a:extLst>
               <a:ext uri="{FF2B5EF4-FFF2-40B4-BE49-F238E27FC236}">
-                <a16:creationId xmlns:a16="http://schemas.microsoft.com/office/drawing/2014/main" id="{1481774E-0DC4-C28D-67F1-9CAF56601411}"/>
+                <a16:creationId xmlns:a16="http://schemas.microsoft.com/office/drawing/2014/main" id="{BAD9295C-73C3-24C1-1D59-93CE25116BFC}"/>
               </a:ext>
             </a:extLst>
           </p:cNvPr>
@@ -13712,29 +14085,13 @@
         </p:blipFill>
         <p:spPr>
           <a:xfrm>
-            <a:off x="1333785" y="1200151"/>
-            <a:ext cx="6428301" cy="3394472"/>
+            <a:off x="323850" y="1156097"/>
+            <a:ext cx="8496300" cy="3781425"/>
           </a:xfrm>
           <a:prstGeom prst="rect">
             <a:avLst/>
           </a:prstGeom>
         </p:spPr>
-        <p:style>
-          <a:lnRef idx="2">
-            <a:schemeClr val="accent4">
-              <a:shade val="15000"/>
-            </a:schemeClr>
-          </a:lnRef>
-          <a:fillRef idx="1">
-            <a:schemeClr val="accent4"/>
-          </a:fillRef>
-          <a:effectRef idx="0">
-            <a:schemeClr val="accent4"/>
-          </a:effectRef>
-          <a:fontRef idx="minor">
-            <a:schemeClr val="lt1"/>
-          </a:fontRef>
-        </p:style>
       </p:pic>
     </p:spTree>
   </p:cSld>
@@ -13761,62 +14118,12 @@
           <a:chExt cx="0" cy="0"/>
         </a:xfrm>
       </p:grpSpPr>
-      <p:sp>
-        <p:nvSpPr>
-          <p:cNvPr id="117" name="Google Shape;117;p28"/>
-          <p:cNvSpPr txBox="1">
-            <a:spLocks noGrp="1"/>
-          </p:cNvSpPr>
-          <p:nvPr>
-            <p:ph type="title"/>
-          </p:nvPr>
-        </p:nvSpPr>
-        <p:spPr>
-          <a:xfrm>
-            <a:off x="457200" y="205978"/>
-            <a:ext cx="8229600" cy="857250"/>
-          </a:xfrm>
-          <a:prstGeom prst="rect">
-            <a:avLst/>
-          </a:prstGeom>
-          <a:noFill/>
-          <a:ln>
-            <a:noFill/>
-          </a:ln>
-        </p:spPr>
-        <p:txBody>
-          <a:bodyPr spcFirstLastPara="1" wrap="square" lIns="91425" tIns="45700" rIns="91425" bIns="45700" anchor="ctr" anchorCtr="0">
-            <a:noAutofit/>
-          </a:bodyPr>
-          <a:lstStyle/>
-          <a:p>
-            <a:pPr marL="0" lvl="0" indent="0" algn="ctr" rtl="0">
-              <a:lnSpc>
-                <a:spcPct val="100000"/>
-              </a:lnSpc>
-              <a:spcBef>
-                <a:spcPts val="0"/>
-              </a:spcBef>
-              <a:spcAft>
-                <a:spcPts val="0"/>
-              </a:spcAft>
-              <a:buSzPts val="1400"/>
-              <a:buNone/>
-            </a:pPr>
-            <a:r>
-              <a:rPr lang="en-GB" dirty="0"/>
-              <a:t>Confusion Matrix (12 X 12) (can give heat map)</a:t>
-            </a:r>
-            <a:endParaRPr dirty="0"/>
-          </a:p>
-        </p:txBody>
-      </p:sp>
       <p:pic>
         <p:nvPicPr>
-          <p:cNvPr id="5" name="Picture 4">
+          <p:cNvPr id="3" name="Picture 2">
             <a:extLst>
               <a:ext uri="{FF2B5EF4-FFF2-40B4-BE49-F238E27FC236}">
-                <a16:creationId xmlns:a16="http://schemas.microsoft.com/office/drawing/2014/main" id="{9EB803E7-946A-8AFE-A48C-30116E6F9AEB}"/>
+                <a16:creationId xmlns:a16="http://schemas.microsoft.com/office/drawing/2014/main" id="{E378A6A6-53D6-07C6-4C04-F5CBBB065014}"/>
               </a:ext>
             </a:extLst>
           </p:cNvPr>
@@ -13833,8 +14140,8 @@
         </p:blipFill>
         <p:spPr>
           <a:xfrm>
-            <a:off x="1113780" y="1244408"/>
-            <a:ext cx="7115820" cy="3899091"/>
+            <a:off x="1601584" y="59890"/>
+            <a:ext cx="6092085" cy="5023719"/>
           </a:xfrm>
           <a:prstGeom prst="rect">
             <a:avLst/>
@@ -13929,7 +14236,7 @@
         <p:spPr>
           <a:xfrm>
             <a:off x="457200" y="1200150"/>
-            <a:ext cx="8229600" cy="3394472"/>
+            <a:ext cx="8229600" cy="3943350"/>
           </a:xfrm>
           <a:prstGeom prst="rect">
             <a:avLst/>
@@ -13959,10 +14266,9 @@
               <a:buChar char="•"/>
             </a:pPr>
             <a:r>
-              <a:rPr lang="en-GB"/>
-              <a:t>&lt;list maximal confusions; which tag is confused with which tag most&gt;</a:t>
+              <a:rPr lang="en-GB" sz="2000" dirty="0"/>
+              <a:t>Clear outlier: ‘NUM’ tag has the worst precision and recall (around 0.5), most often confused with ‘ADJ’</a:t>
             </a:r>
-            <a:endParaRPr/>
           </a:p>
           <a:p>
             <a:pPr marL="457200" lvl="0" indent="-381000" algn="l" rtl="0">
@@ -13979,10 +14285,73 @@
               <a:buChar char="•"/>
             </a:pPr>
             <a:r>
-              <a:rPr lang="en-GB"/>
-              <a:t>&lt;try giving reasons&gt;</a:t>
+              <a:rPr lang="en-GB" sz="2000" dirty="0"/>
+              <a:t>Reasons for bad precision</a:t>
             </a:r>
-            <a:endParaRPr/>
+          </a:p>
+          <a:p>
+            <a:pPr lvl="1">
+              <a:buChar char="•"/>
+            </a:pPr>
+            <a:r>
+              <a:rPr lang="en-GB" sz="2000" dirty="0"/>
+              <a:t>Over-prediction of ‘one’, leading to a lot of false positives</a:t>
+            </a:r>
+          </a:p>
+          <a:p>
+            <a:pPr lvl="1">
+              <a:buChar char="•"/>
+            </a:pPr>
+            <a:r>
+              <a:rPr lang="en-GB" sz="2000" dirty="0"/>
+              <a:t>If number not in training dataset, an adjective could easily be tagged as a number</a:t>
+            </a:r>
+          </a:p>
+          <a:p>
+            <a:pPr marL="457200" lvl="0" indent="-381000" algn="l" rtl="0">
+              <a:lnSpc>
+                <a:spcPct val="100000"/>
+              </a:lnSpc>
+              <a:spcBef>
+                <a:spcPts val="480"/>
+              </a:spcBef>
+              <a:spcAft>
+                <a:spcPts val="0"/>
+              </a:spcAft>
+              <a:buSzPts val="2400"/>
+              <a:buChar char="•"/>
+            </a:pPr>
+            <a:r>
+              <a:rPr lang="en-GB" sz="2000" dirty="0"/>
+              <a:t>Reasons for bad recall</a:t>
+            </a:r>
+          </a:p>
+          <a:p>
+            <a:pPr lvl="1">
+              <a:buChar char="•"/>
+            </a:pPr>
+            <a:r>
+              <a:rPr lang="en-GB" sz="2000" dirty="0"/>
+              <a:t>Too many numbers, all not in dataset!</a:t>
+            </a:r>
+          </a:p>
+          <a:p>
+            <a:pPr lvl="1">
+              <a:buChar char="•"/>
+            </a:pPr>
+            <a:r>
+              <a:rPr lang="en-GB" sz="2000" dirty="0"/>
+              <a:t>Different formats, different contexts</a:t>
+            </a:r>
+          </a:p>
+          <a:p>
+            <a:pPr lvl="1">
+              <a:buChar char="•"/>
+            </a:pPr>
+            <a:r>
+              <a:rPr lang="en-GB" sz="2000" dirty="0"/>
+              <a:t>If a number not in dataset, a number could easily be tagged as an adjective</a:t>
+            </a:r>
           </a:p>
         </p:txBody>
       </p:sp>
@@ -14054,10 +14423,10 @@
               <a:buNone/>
             </a:pPr>
             <a:r>
-              <a:rPr lang="en-GB"/>
+              <a:rPr lang="en-GB" dirty="0"/>
               <a:t>Data Processing Info (Pre-processing)</a:t>
             </a:r>
-            <a:endParaRPr/>
+            <a:endParaRPr dirty="0"/>
           </a:p>
         </p:txBody>
       </p:sp>
@@ -14104,13 +14473,12 @@
               <a:buChar char="•"/>
             </a:pPr>
             <a:r>
-              <a:rPr lang="en-GB"/>
-              <a:t>&lt;for example, lower casing, tokenization, etc.&gt;</a:t>
+              <a:rPr lang="en-US" dirty="0"/>
+              <a:t>Tokenization: input text data is initially tokenized into individual words or tokens</a:t>
             </a:r>
-            <a:endParaRPr/>
           </a:p>
           <a:p>
-            <a:pPr marL="457200" lvl="0" indent="-228600" algn="l" rtl="0">
+            <a:pPr marL="457200" lvl="0" indent="-381000" algn="l" rtl="0">
               <a:lnSpc>
                 <a:spcPct val="100000"/>
               </a:lnSpc>
@@ -14121,12 +14489,15 @@
                 <a:spcPts val="0"/>
               </a:spcAft>
               <a:buSzPts val="2400"/>
-              <a:buNone/>
+              <a:buChar char="•"/>
             </a:pPr>
-            <a:endParaRPr/>
+            <a:r>
+              <a:rPr lang="en-US" dirty="0"/>
+              <a:t>Lowercasing: all words in the text are converted to lowercase, so that the model treats words with different cases</a:t>
+            </a:r>
           </a:p>
           <a:p>
-            <a:pPr marL="457200" lvl="0" indent="-228600" algn="l" rtl="0">
+            <a:pPr marL="457200" lvl="0" indent="-381000" algn="l" rtl="0">
               <a:lnSpc>
                 <a:spcPct val="100000"/>
               </a:lnSpc>
@@ -14137,9 +14508,13 @@
                 <a:spcPts val="0"/>
               </a:spcAft>
               <a:buSzPts val="2400"/>
-              <a:buNone/>
+              <a:buChar char="•"/>
             </a:pPr>
-            <a:endParaRPr/>
+            <a:r>
+              <a:rPr lang="en-US" dirty="0"/>
+              <a:t>Special Character Removal: special characters and punctuation not relevant for POS tagging are removed</a:t>
+            </a:r>
+            <a:endParaRPr lang="en-GB" dirty="0"/>
           </a:p>
         </p:txBody>
       </p:sp>
@@ -14261,13 +14636,12 @@
               <a:buChar char="•"/>
             </a:pPr>
             <a:r>
-              <a:rPr lang="en-GB"/>
-              <a:t>&lt;Describe VERY briefly how you implemented Viterbi; not allowed to use any library or API&gt;</a:t>
+              <a:rPr lang="en-US" sz="1600" dirty="0"/>
+              <a:t>Objective: Implementing the Viterbi algorithm for Part-of-Speech Tagging</a:t>
             </a:r>
-            <a:endParaRPr/>
           </a:p>
           <a:p>
-            <a:pPr marL="457200" lvl="0" indent="-228600" algn="l" rtl="0">
+            <a:pPr marL="419100" lvl="0" indent="-342900" algn="l" rtl="0">
               <a:lnSpc>
                 <a:spcPct val="100000"/>
               </a:lnSpc>
@@ -14278,9 +14652,91 @@
                 <a:spcPts val="0"/>
               </a:spcAft>
               <a:buSzPts val="2400"/>
-              <a:buNone/>
+              <a:buChar char="•"/>
             </a:pPr>
-            <a:endParaRPr/>
+            <a:r>
+              <a:rPr lang="en-US" sz="1600" dirty="0"/>
+              <a:t>Inputs: Tag-to-word probability dictionary, transition probability matrix, input sentence</a:t>
+            </a:r>
+          </a:p>
+          <a:p>
+            <a:pPr marL="419100" lvl="0" indent="-342900" algn="l" rtl="0">
+              <a:lnSpc>
+                <a:spcPct val="100000"/>
+              </a:lnSpc>
+              <a:spcBef>
+                <a:spcPts val="480"/>
+              </a:spcBef>
+              <a:spcAft>
+                <a:spcPts val="0"/>
+              </a:spcAft>
+              <a:buSzPts val="2400"/>
+              <a:buChar char="•"/>
+            </a:pPr>
+            <a:r>
+              <a:rPr lang="en-US" sz="1600" dirty="0"/>
+              <a:t>Processing:</a:t>
+            </a:r>
+          </a:p>
+          <a:p>
+            <a:pPr marL="876300" lvl="1" indent="-342900">
+              <a:buChar char="•"/>
+            </a:pPr>
+            <a:r>
+              <a:rPr lang="en-US" sz="1600" dirty="0"/>
+              <a:t>Iterate through each word in the input sentence</a:t>
+            </a:r>
+          </a:p>
+          <a:p>
+            <a:pPr marL="876300" lvl="1" indent="-342900">
+              <a:buChar char="•"/>
+            </a:pPr>
+            <a:r>
+              <a:rPr lang="en-US" sz="1600" dirty="0"/>
+              <a:t>For each word, iterate through the current tag sequences</a:t>
+            </a:r>
+          </a:p>
+          <a:p>
+            <a:pPr marL="876300" lvl="1" indent="-342900">
+              <a:buChar char="•"/>
+            </a:pPr>
+            <a:r>
+              <a:rPr lang="en-US" sz="1600" dirty="0"/>
+              <a:t>Calculate the lexical probability of the word given the tag using the probability dictionary</a:t>
+            </a:r>
+          </a:p>
+          <a:p>
+            <a:pPr marL="876300" lvl="1" indent="-342900">
+              <a:buChar char="•"/>
+            </a:pPr>
+            <a:r>
+              <a:rPr lang="en-US" sz="1600" dirty="0"/>
+              <a:t>Calculate the transition probability from previous tag to the new tag using the transition matrix</a:t>
+            </a:r>
+          </a:p>
+          <a:p>
+            <a:pPr marL="876300" lvl="1" indent="-342900">
+              <a:buChar char="•"/>
+            </a:pPr>
+            <a:r>
+              <a:rPr lang="en-US" sz="1600" dirty="0"/>
+              <a:t>Retain the top (</a:t>
+            </a:r>
+            <a:r>
+              <a:rPr lang="en-US" sz="1600" dirty="0" err="1"/>
+              <a:t>max_entries</a:t>
+            </a:r>
+            <a:r>
+              <a:rPr lang="en-US" sz="1600" dirty="0"/>
+              <a:t>) tag sequences formed with the highest probability, and repeat</a:t>
+            </a:r>
+          </a:p>
+          <a:p>
+            <a:pPr marL="419100" indent="-342900"/>
+            <a:r>
+              <a:rPr lang="en-US" sz="1600" dirty="0"/>
+              <a:t>Output: tag sequence with highest probability</a:t>
+            </a:r>
           </a:p>
         </p:txBody>
       </p:sp>
@@ -14321,8 +14777,8 @@
         </p:nvSpPr>
         <p:spPr>
           <a:xfrm>
-            <a:off x="457200" y="205978"/>
-            <a:ext cx="8229600" cy="857400"/>
+            <a:off x="457200" y="0"/>
+            <a:ext cx="8229600" cy="673768"/>
           </a:xfrm>
           <a:prstGeom prst="rect">
             <a:avLst/>
@@ -14352,10 +14808,10 @@
               <a:buNone/>
             </a:pPr>
             <a:r>
-              <a:rPr lang="en-GB"/>
+              <a:rPr lang="en-GB" dirty="0"/>
               <a:t>Demo</a:t>
             </a:r>
-            <a:endParaRPr/>
+            <a:endParaRPr dirty="0"/>
           </a:p>
         </p:txBody>
       </p:sp>
@@ -14388,7 +14844,7 @@
           </a:bodyPr>
           <a:lstStyle/>
           <a:p>
-            <a:pPr marL="457200" lvl="0" indent="-381000" algn="l" rtl="0">
+            <a:pPr marL="76200" lvl="0" indent="0" algn="l" rtl="0">
               <a:lnSpc>
                 <a:spcPct val="100000"/>
               </a:lnSpc>
@@ -14399,16 +14855,42 @@
                 <a:spcPts val="0"/>
               </a:spcAft>
               <a:buSzPts val="2400"/>
-              <a:buChar char="•"/>
+              <a:buNone/>
             </a:pPr>
-            <a:r>
-              <a:rPr lang="en-GB"/>
-              <a:t>Should have GUI</a:t>
-            </a:r>
-            <a:endParaRPr/>
+            <a:endParaRPr dirty="0"/>
           </a:p>
         </p:txBody>
       </p:sp>
+      <p:pic>
+        <p:nvPicPr>
+          <p:cNvPr id="3" name="Picture 2">
+            <a:extLst>
+              <a:ext uri="{FF2B5EF4-FFF2-40B4-BE49-F238E27FC236}">
+                <a16:creationId xmlns:a16="http://schemas.microsoft.com/office/drawing/2014/main" id="{0AE7FEB0-7ECA-D3CA-D6CE-2739926F5848}"/>
+              </a:ext>
+            </a:extLst>
+          </p:cNvPr>
+          <p:cNvPicPr>
+            <a:picLocks noChangeAspect="1"/>
+          </p:cNvPicPr>
+          <p:nvPr/>
+        </p:nvPicPr>
+        <p:blipFill>
+          <a:blip r:embed="rId3"/>
+          <a:stretch>
+            <a:fillRect/>
+          </a:stretch>
+        </p:blipFill>
+        <p:spPr>
+          <a:xfrm>
+            <a:off x="0" y="618768"/>
+            <a:ext cx="9144000" cy="4524732"/>
+          </a:xfrm>
+          <a:prstGeom prst="rect">
+            <a:avLst/>
+          </a:prstGeom>
+        </p:spPr>
+      </p:pic>
     </p:spTree>
   </p:cSld>
   <p:clrMapOvr>
@@ -15261,21 +15743,12 @@
 </file>
 
 <file path=customXml/item1.xml><?xml version="1.0" encoding="utf-8"?>
-<?mso-contentType ?>
-<FormTemplates xmlns="http://schemas.microsoft.com/sharepoint/v3/contenttype/forms">
-  <Display>DocumentLibraryForm</Display>
-  <Edit>DocumentLibraryForm</Edit>
-  <New>DocumentLibraryForm</New>
-</FormTemplates>
-</file>
-
-<file path=customXml/item2.xml><?xml version="1.0" encoding="utf-8"?>
 <p:properties xmlns:p="http://schemas.microsoft.com/office/2006/metadata/properties" xmlns:xsi="http://www.w3.org/2001/XMLSchema-instance" xmlns:pc="http://schemas.microsoft.com/office/infopath/2007/PartnerControls">
   <documentManagement/>
 </p:properties>
 </file>
 
-<file path=customXml/item3.xml><?xml version="1.0" encoding="utf-8"?>
+<file path=customXml/item2.xml><?xml version="1.0" encoding="utf-8"?>
 <ct:contentTypeSchema xmlns:ct="http://schemas.microsoft.com/office/2006/metadata/contentType" xmlns:ma="http://schemas.microsoft.com/office/2006/metadata/properties/metaAttributes" ct:_="" ma:_="" ma:contentTypeName="Document" ma:contentTypeID="0x010100253AC9B578968F4B8BFCF09837AF7C8A" ma:contentTypeVersion="9" ma:contentTypeDescription="Create a new document." ma:contentTypeScope="" ma:versionID="c4adfd5fab4e5e363f3575a43218648d">
   <xsd:schema xmlns:xsd="http://www.w3.org/2001/XMLSchema" xmlns:xs="http://www.w3.org/2001/XMLSchema" xmlns:p="http://schemas.microsoft.com/office/2006/metadata/properties" xmlns:ns2="6750e4af-3250-4633-942a-2005b2dae5d1" xmlns:ns3="83c60fad-5858-41f2-aefd-63538264e470" targetNamespace="http://schemas.microsoft.com/office/2006/metadata/properties" ma:root="true" ma:fieldsID="64d25d737bf78ac0e2487d75ce622ff7" ns2:_="" ns3:_="">
     <xsd:import namespace="6750e4af-3250-4633-942a-2005b2dae5d1"/>
@@ -15470,15 +15943,16 @@
 </ct:contentTypeSchema>
 </file>
 
-<file path=customXml/itemProps1.xml><?xml version="1.0" encoding="utf-8"?>
-<ds:datastoreItem xmlns:ds="http://schemas.openxmlformats.org/officeDocument/2006/customXml" ds:itemID="{FE97D275-BE8D-4C41-8C4B-EF5ED5C11BC0}">
-  <ds:schemaRefs>
-    <ds:schemaRef ds:uri="http://schemas.microsoft.com/sharepoint/v3/contenttype/forms"/>
-  </ds:schemaRefs>
-</ds:datastoreItem>
+<file path=customXml/item3.xml><?xml version="1.0" encoding="utf-8"?>
+<?mso-contentType ?>
+<FormTemplates xmlns="http://schemas.microsoft.com/sharepoint/v3/contenttype/forms">
+  <Display>DocumentLibraryForm</Display>
+  <Edit>DocumentLibraryForm</Edit>
+  <New>DocumentLibraryForm</New>
+</FormTemplates>
 </file>
 
-<file path=customXml/itemProps2.xml><?xml version="1.0" encoding="utf-8"?>
+<file path=customXml/itemProps1.xml><?xml version="1.0" encoding="utf-8"?>
 <ds:datastoreItem xmlns:ds="http://schemas.openxmlformats.org/officeDocument/2006/customXml" ds:itemID="{8BCEF15E-E479-4F6D-BD2E-9BD7AB469B25}">
   <ds:schemaRefs>
     <ds:schemaRef ds:uri="http://schemas.microsoft.com/office/2006/metadata/properties"/>
@@ -15487,7 +15961,7 @@
 </ds:datastoreItem>
 </file>
 
-<file path=customXml/itemProps3.xml><?xml version="1.0" encoding="utf-8"?>
+<file path=customXml/itemProps2.xml><?xml version="1.0" encoding="utf-8"?>
 <ds:datastoreItem xmlns:ds="http://schemas.openxmlformats.org/officeDocument/2006/customXml" ds:itemID="{C82D0DC1-C67D-486A-8AAD-20D0631192BF}">
   <ds:schemaRefs>
     <ds:schemaRef ds:uri="http://schemas.microsoft.com/office/2006/metadata/contentType"/>
@@ -15504,4 +15978,12 @@
     <ds:schemaRef ds:uri="http://schemas.microsoft.com/internal/obd"/>
   </ds:schemaRefs>
 </ds:datastoreItem>
+</file>
+
+<file path=customXml/itemProps3.xml><?xml version="1.0" encoding="utf-8"?>
+<ds:datastoreItem xmlns:ds="http://schemas.openxmlformats.org/officeDocument/2006/customXml" ds:itemID="{FE97D275-BE8D-4C41-8C4B-EF5ED5C11BC0}">
+  <ds:schemaRefs>
+    <ds:schemaRef ds:uri="http://schemas.microsoft.com/sharepoint/v3/contenttype/forms"/>
+  </ds:schemaRefs>
+</ds:datastoreItem>
 </file>
--- a/Assignment 2-PoS tagging.pptx
+++ b/Assignment 2-PoS tagging.pptx
@@ -6,7 +6,7 @@
     <p:sldMasterId id="2147483670" r:id="rId5"/>
   </p:sldMasterIdLst>
   <p:notesMasterIdLst>
-    <p:notesMasterId r:id="rId17"/>
+    <p:notesMasterId r:id="rId18"/>
   </p:notesMasterIdLst>
   <p:sldIdLst>
     <p:sldId id="256" r:id="rId6"/>
@@ -15,11 +15,12 @@
     <p:sldId id="259" r:id="rId9"/>
     <p:sldId id="260" r:id="rId10"/>
     <p:sldId id="261" r:id="rId11"/>
-    <p:sldId id="262" r:id="rId12"/>
-    <p:sldId id="263" r:id="rId13"/>
-    <p:sldId id="264" r:id="rId14"/>
-    <p:sldId id="266" r:id="rId15"/>
-    <p:sldId id="265" r:id="rId16"/>
+    <p:sldId id="267" r:id="rId12"/>
+    <p:sldId id="262" r:id="rId13"/>
+    <p:sldId id="263" r:id="rId14"/>
+    <p:sldId id="264" r:id="rId15"/>
+    <p:sldId id="266" r:id="rId16"/>
+    <p:sldId id="265" r:id="rId17"/>
   </p:sldIdLst>
   <p:sldSz cx="9144000" cy="5143500" type="screen16x9"/>
   <p:notesSz cx="6858000" cy="9144000"/>
@@ -12797,6 +12798,157 @@
   <p:cSld>
     <p:spTree>
       <p:nvGrpSpPr>
+        <p:cNvPr id="1" name="Shape 139"/>
+        <p:cNvGrpSpPr/>
+        <p:nvPr/>
+      </p:nvGrpSpPr>
+      <p:grpSpPr>
+        <a:xfrm>
+          <a:off x="0" y="0"/>
+          <a:ext cx="0" cy="0"/>
+          <a:chOff x="0" y="0"/>
+          <a:chExt cx="0" cy="0"/>
+        </a:xfrm>
+      </p:grpSpPr>
+      <p:sp>
+        <p:nvSpPr>
+          <p:cNvPr id="140" name="Google Shape;140;p32"/>
+          <p:cNvSpPr txBox="1">
+            <a:spLocks noGrp="1"/>
+          </p:cNvSpPr>
+          <p:nvPr>
+            <p:ph type="title"/>
+          </p:nvPr>
+        </p:nvSpPr>
+        <p:spPr>
+          <a:xfrm>
+            <a:off x="457200" y="0"/>
+            <a:ext cx="8229600" cy="673768"/>
+          </a:xfrm>
+          <a:prstGeom prst="rect">
+            <a:avLst/>
+          </a:prstGeom>
+          <a:noFill/>
+          <a:ln>
+            <a:noFill/>
+          </a:ln>
+        </p:spPr>
+        <p:txBody>
+          <a:bodyPr spcFirstLastPara="1" wrap="square" lIns="91425" tIns="45700" rIns="91425" bIns="45700" anchor="ctr" anchorCtr="0">
+            <a:noAutofit/>
+          </a:bodyPr>
+          <a:lstStyle/>
+          <a:p>
+            <a:pPr marL="0" lvl="0" indent="0" algn="ctr" rtl="0">
+              <a:lnSpc>
+                <a:spcPct val="100000"/>
+              </a:lnSpc>
+              <a:spcBef>
+                <a:spcPts val="0"/>
+              </a:spcBef>
+              <a:spcAft>
+                <a:spcPts val="0"/>
+              </a:spcAft>
+              <a:buSzPts val="1400"/>
+              <a:buNone/>
+            </a:pPr>
+            <a:r>
+              <a:rPr lang="en-GB" dirty="0"/>
+              <a:t>Demo</a:t>
+            </a:r>
+            <a:endParaRPr dirty="0"/>
+          </a:p>
+        </p:txBody>
+      </p:sp>
+      <p:sp>
+        <p:nvSpPr>
+          <p:cNvPr id="141" name="Google Shape;141;p32"/>
+          <p:cNvSpPr txBox="1">
+            <a:spLocks noGrp="1"/>
+          </p:cNvSpPr>
+          <p:nvPr>
+            <p:ph type="body" idx="1"/>
+          </p:nvPr>
+        </p:nvSpPr>
+        <p:spPr>
+          <a:xfrm>
+            <a:off x="437745" y="1000550"/>
+            <a:ext cx="8502000" cy="4255500"/>
+          </a:xfrm>
+          <a:prstGeom prst="rect">
+            <a:avLst/>
+          </a:prstGeom>
+          <a:noFill/>
+          <a:ln>
+            <a:noFill/>
+          </a:ln>
+        </p:spPr>
+        <p:txBody>
+          <a:bodyPr spcFirstLastPara="1" wrap="square" lIns="91425" tIns="45700" rIns="91425" bIns="45700" anchor="t" anchorCtr="0">
+            <a:noAutofit/>
+          </a:bodyPr>
+          <a:lstStyle/>
+          <a:p>
+            <a:pPr marL="76200" lvl="0" indent="0" algn="l" rtl="0">
+              <a:lnSpc>
+                <a:spcPct val="100000"/>
+              </a:lnSpc>
+              <a:spcBef>
+                <a:spcPts val="480"/>
+              </a:spcBef>
+              <a:spcAft>
+                <a:spcPts val="0"/>
+              </a:spcAft>
+              <a:buSzPts val="2400"/>
+              <a:buNone/>
+            </a:pPr>
+            <a:endParaRPr dirty="0"/>
+          </a:p>
+        </p:txBody>
+      </p:sp>
+      <p:pic>
+        <p:nvPicPr>
+          <p:cNvPr id="3" name="Picture 2">
+            <a:extLst>
+              <a:ext uri="{FF2B5EF4-FFF2-40B4-BE49-F238E27FC236}">
+                <a16:creationId xmlns:a16="http://schemas.microsoft.com/office/drawing/2014/main" id="{0AE7FEB0-7ECA-D3CA-D6CE-2739926F5848}"/>
+              </a:ext>
+            </a:extLst>
+          </p:cNvPr>
+          <p:cNvPicPr>
+            <a:picLocks noChangeAspect="1"/>
+          </p:cNvPicPr>
+          <p:nvPr/>
+        </p:nvPicPr>
+        <p:blipFill>
+          <a:blip r:embed="rId3"/>
+          <a:stretch>
+            <a:fillRect/>
+          </a:stretch>
+        </p:blipFill>
+        <p:spPr>
+          <a:xfrm>
+            <a:off x="0" y="618768"/>
+            <a:ext cx="9144000" cy="4524732"/>
+          </a:xfrm>
+          <a:prstGeom prst="rect">
+            <a:avLst/>
+          </a:prstGeom>
+        </p:spPr>
+      </p:pic>
+    </p:spTree>
+  </p:cSld>
+  <p:clrMapOvr>
+    <a:masterClrMapping/>
+  </p:clrMapOvr>
+</p:sld>
+</file>
+
+<file path=ppt/slides/slide11.xml><?xml version="1.0" encoding="utf-8"?>
+<p:sld xmlns:a="http://schemas.openxmlformats.org/drawingml/2006/main" xmlns:r="http://schemas.openxmlformats.org/officeDocument/2006/relationships" xmlns:p="http://schemas.openxmlformats.org/presentationml/2006/main">
+  <p:cSld>
+    <p:spTree>
+      <p:nvGrpSpPr>
         <p:cNvPr id="1" name="Shape 151"/>
         <p:cNvGrpSpPr/>
         <p:nvPr/>
@@ -13286,7 +13438,7 @@
 </p:sld>
 </file>
 
-<file path=ppt/slides/slide11.xml><?xml version="1.0" encoding="utf-8"?>
+<file path=ppt/slides/slide12.xml><?xml version="1.0" encoding="utf-8"?>
 <p:sld xmlns:a="http://schemas.openxmlformats.org/drawingml/2006/main" xmlns:r="http://schemas.openxmlformats.org/officeDocument/2006/relationships" xmlns:p="http://schemas.openxmlformats.org/presentationml/2006/main" show="0">
   <p:cSld>
     <p:spTree>
@@ -14266,8 +14418,8 @@
               <a:buChar char="•"/>
             </a:pPr>
             <a:r>
-              <a:rPr lang="en-GB" sz="2000" dirty="0"/>
-              <a:t>Clear outlier: ‘NUM’ tag has the worst precision and recall (around 0.5), most often confused with ‘ADJ’</a:t>
+              <a:rPr lang="en-GB" sz="1800" dirty="0"/>
+              <a:t>Clear outlier: ‘X’ tag has the worst precision and recall (around 0.5), most often confused with ‘NOUN’</a:t>
             </a:r>
           </a:p>
           <a:p>
@@ -14285,7 +14437,7 @@
               <a:buChar char="•"/>
             </a:pPr>
             <a:r>
-              <a:rPr lang="en-GB" sz="2000" dirty="0"/>
+              <a:rPr lang="en-GB" sz="1800" dirty="0"/>
               <a:t>Reasons for bad precision</a:t>
             </a:r>
           </a:p>
@@ -14294,8 +14446,8 @@
               <a:buChar char="•"/>
             </a:pPr>
             <a:r>
-              <a:rPr lang="en-GB" sz="2000" dirty="0"/>
-              <a:t>Over-prediction of ‘one’, leading to a lot of false positives</a:t>
+              <a:rPr lang="en-US" sz="1800" dirty="0"/>
+              <a:t>Ambiguity with nouns predominantly emerges from the utilization of multilingual content, as exemplified by phrases like "déjà vu“</a:t>
             </a:r>
           </a:p>
           <a:p>
@@ -14303,8 +14455,8 @@
               <a:buChar char="•"/>
             </a:pPr>
             <a:r>
-              <a:rPr lang="en-GB" sz="2000" dirty="0"/>
-              <a:t>If number not in training dataset, an adjective could easily be tagged as a number</a:t>
+              <a:rPr lang="en-US" sz="1800" dirty="0"/>
+              <a:t>Limited X-X true positives, compared to plentiful X-NOUN, greatly decreases precision</a:t>
             </a:r>
           </a:p>
           <a:p>
@@ -14322,7 +14474,7 @@
               <a:buChar char="•"/>
             </a:pPr>
             <a:r>
-              <a:rPr lang="en-GB" sz="2000" dirty="0"/>
+              <a:rPr lang="en-GB" sz="1800" dirty="0"/>
               <a:t>Reasons for bad recall</a:t>
             </a:r>
           </a:p>
@@ -14331,8 +14483,8 @@
               <a:buChar char="•"/>
             </a:pPr>
             <a:r>
-              <a:rPr lang="en-GB" sz="2000" dirty="0"/>
-              <a:t>Too many numbers, all not in dataset!</a:t>
+              <a:rPr lang="en-US" sz="1800" dirty="0"/>
+              <a:t>Low transition probabilities associated with the 'X' tag result in its overprediction as 'NOUN’</a:t>
             </a:r>
           </a:p>
           <a:p>
@@ -14340,7 +14492,7 @@
               <a:buChar char="•"/>
             </a:pPr>
             <a:r>
-              <a:rPr lang="en-GB" sz="2000" dirty="0"/>
+              <a:rPr lang="en-GB" sz="1800" dirty="0"/>
               <a:t>Different formats, different contexts</a:t>
             </a:r>
           </a:p>
@@ -14349,8 +14501,8 @@
               <a:buChar char="•"/>
             </a:pPr>
             <a:r>
-              <a:rPr lang="en-GB" sz="2000" dirty="0"/>
-              <a:t>If a number not in dataset, a number could easily be tagged as an adjective</a:t>
+              <a:rPr lang="en-GB" sz="1800" dirty="0"/>
+              <a:t>Too many multilingual texts, not many in the dataset</a:t>
             </a:r>
           </a:p>
         </p:txBody>
@@ -14364,6 +14516,103 @@
 </file>
 
 <file path=ppt/slides/slide7.xml><?xml version="1.0" encoding="utf-8"?>
+<p:sld xmlns:a="http://schemas.openxmlformats.org/drawingml/2006/main" xmlns:r="http://schemas.openxmlformats.org/officeDocument/2006/relationships" xmlns:p="http://schemas.openxmlformats.org/presentationml/2006/main">
+  <p:cSld>
+    <p:spTree>
+      <p:nvGrpSpPr>
+        <p:cNvPr id="1" name=""/>
+        <p:cNvGrpSpPr/>
+        <p:nvPr/>
+      </p:nvGrpSpPr>
+      <p:grpSpPr>
+        <a:xfrm>
+          <a:off x="0" y="0"/>
+          <a:ext cx="0" cy="0"/>
+          <a:chOff x="0" y="0"/>
+          <a:chExt cx="0" cy="0"/>
+        </a:xfrm>
+      </p:grpSpPr>
+      <p:sp>
+        <p:nvSpPr>
+          <p:cNvPr id="2" name="Title 1">
+            <a:extLst>
+              <a:ext uri="{FF2B5EF4-FFF2-40B4-BE49-F238E27FC236}">
+                <a16:creationId xmlns:a16="http://schemas.microsoft.com/office/drawing/2014/main" id="{E2BD8043-83BF-4415-3B6D-04C5F2D4235B}"/>
+              </a:ext>
+            </a:extLst>
+          </p:cNvPr>
+          <p:cNvSpPr>
+            <a:spLocks noGrp="1"/>
+          </p:cNvSpPr>
+          <p:nvPr>
+            <p:ph type="title"/>
+          </p:nvPr>
+        </p:nvSpPr>
+        <p:spPr/>
+        <p:txBody>
+          <a:bodyPr/>
+          <a:lstStyle/>
+          <a:p>
+            <a:endParaRPr lang="en-IN" dirty="0"/>
+          </a:p>
+        </p:txBody>
+      </p:sp>
+      <p:sp>
+        <p:nvSpPr>
+          <p:cNvPr id="3" name="Text Placeholder 2">
+            <a:extLst>
+              <a:ext uri="{FF2B5EF4-FFF2-40B4-BE49-F238E27FC236}">
+                <a16:creationId xmlns:a16="http://schemas.microsoft.com/office/drawing/2014/main" id="{21349889-985B-3E46-C0BF-67E829EBE55A}"/>
+              </a:ext>
+            </a:extLst>
+          </p:cNvPr>
+          <p:cNvSpPr>
+            <a:spLocks noGrp="1"/>
+          </p:cNvSpPr>
+          <p:nvPr>
+            <p:ph type="body" idx="1"/>
+          </p:nvPr>
+        </p:nvSpPr>
+        <p:spPr/>
+        <p:txBody>
+          <a:bodyPr/>
+          <a:lstStyle/>
+          <a:p>
+            <a:r>
+              <a:rPr lang="en-IN" dirty="0"/>
+              <a:t>PRT vs ADP – </a:t>
+            </a:r>
+            <a:r>
+              <a:rPr lang="en-IN" dirty="0" err="1"/>
+              <a:t>eg</a:t>
+            </a:r>
+            <a:r>
+              <a:rPr lang="en-IN" dirty="0"/>
+              <a:t> ‘on, at’ – context</a:t>
+            </a:r>
+          </a:p>
+          <a:p>
+            <a:endParaRPr lang="en-IN"/>
+          </a:p>
+          <a:p>
+            <a:endParaRPr lang="en-IN" dirty="0"/>
+          </a:p>
+        </p:txBody>
+      </p:sp>
+    </p:spTree>
+    <p:extLst>
+      <p:ext uri="{BB962C8B-B14F-4D97-AF65-F5344CB8AC3E}">
+        <p14:creationId xmlns:p14="http://schemas.microsoft.com/office/powerpoint/2010/main" val="3347202899"/>
+      </p:ext>
+    </p:extLst>
+  </p:cSld>
+  <p:clrMapOvr>
+    <a:masterClrMapping/>
+  </p:clrMapOvr>
+</p:sld>
+</file>
+
+<file path=ppt/slides/slide8.xml><?xml version="1.0" encoding="utf-8"?>
 <p:sld xmlns:a="http://schemas.openxmlformats.org/drawingml/2006/main" xmlns:r="http://schemas.openxmlformats.org/officeDocument/2006/relationships" xmlns:p="http://schemas.openxmlformats.org/presentationml/2006/main">
   <p:cSld>
     <p:spTree>
@@ -14526,7 +14775,7 @@
 </p:sld>
 </file>
 
-<file path=ppt/slides/slide8.xml><?xml version="1.0" encoding="utf-8"?>
+<file path=ppt/slides/slide9.xml><?xml version="1.0" encoding="utf-8"?>
 <p:sld xmlns:a="http://schemas.openxmlformats.org/drawingml/2006/main" xmlns:r="http://schemas.openxmlformats.org/officeDocument/2006/relationships" xmlns:p="http://schemas.openxmlformats.org/presentationml/2006/main">
   <p:cSld>
     <p:spTree>
@@ -14740,157 +14989,6 @@
           </a:p>
         </p:txBody>
       </p:sp>
-    </p:spTree>
-  </p:cSld>
-  <p:clrMapOvr>
-    <a:masterClrMapping/>
-  </p:clrMapOvr>
-</p:sld>
-</file>
-
-<file path=ppt/slides/slide9.xml><?xml version="1.0" encoding="utf-8"?>
-<p:sld xmlns:a="http://schemas.openxmlformats.org/drawingml/2006/main" xmlns:r="http://schemas.openxmlformats.org/officeDocument/2006/relationships" xmlns:p="http://schemas.openxmlformats.org/presentationml/2006/main">
-  <p:cSld>
-    <p:spTree>
-      <p:nvGrpSpPr>
-        <p:cNvPr id="1" name="Shape 139"/>
-        <p:cNvGrpSpPr/>
-        <p:nvPr/>
-      </p:nvGrpSpPr>
-      <p:grpSpPr>
-        <a:xfrm>
-          <a:off x="0" y="0"/>
-          <a:ext cx="0" cy="0"/>
-          <a:chOff x="0" y="0"/>
-          <a:chExt cx="0" cy="0"/>
-        </a:xfrm>
-      </p:grpSpPr>
-      <p:sp>
-        <p:nvSpPr>
-          <p:cNvPr id="140" name="Google Shape;140;p32"/>
-          <p:cNvSpPr txBox="1">
-            <a:spLocks noGrp="1"/>
-          </p:cNvSpPr>
-          <p:nvPr>
-            <p:ph type="title"/>
-          </p:nvPr>
-        </p:nvSpPr>
-        <p:spPr>
-          <a:xfrm>
-            <a:off x="457200" y="0"/>
-            <a:ext cx="8229600" cy="673768"/>
-          </a:xfrm>
-          <a:prstGeom prst="rect">
-            <a:avLst/>
-          </a:prstGeom>
-          <a:noFill/>
-          <a:ln>
-            <a:noFill/>
-          </a:ln>
-        </p:spPr>
-        <p:txBody>
-          <a:bodyPr spcFirstLastPara="1" wrap="square" lIns="91425" tIns="45700" rIns="91425" bIns="45700" anchor="ctr" anchorCtr="0">
-            <a:noAutofit/>
-          </a:bodyPr>
-          <a:lstStyle/>
-          <a:p>
-            <a:pPr marL="0" lvl="0" indent="0" algn="ctr" rtl="0">
-              <a:lnSpc>
-                <a:spcPct val="100000"/>
-              </a:lnSpc>
-              <a:spcBef>
-                <a:spcPts val="0"/>
-              </a:spcBef>
-              <a:spcAft>
-                <a:spcPts val="0"/>
-              </a:spcAft>
-              <a:buSzPts val="1400"/>
-              <a:buNone/>
-            </a:pPr>
-            <a:r>
-              <a:rPr lang="en-GB" dirty="0"/>
-              <a:t>Demo</a:t>
-            </a:r>
-            <a:endParaRPr dirty="0"/>
-          </a:p>
-        </p:txBody>
-      </p:sp>
-      <p:sp>
-        <p:nvSpPr>
-          <p:cNvPr id="141" name="Google Shape;141;p32"/>
-          <p:cNvSpPr txBox="1">
-            <a:spLocks noGrp="1"/>
-          </p:cNvSpPr>
-          <p:nvPr>
-            <p:ph type="body" idx="1"/>
-          </p:nvPr>
-        </p:nvSpPr>
-        <p:spPr>
-          <a:xfrm>
-            <a:off x="437745" y="1000550"/>
-            <a:ext cx="8502000" cy="4255500"/>
-          </a:xfrm>
-          <a:prstGeom prst="rect">
-            <a:avLst/>
-          </a:prstGeom>
-          <a:noFill/>
-          <a:ln>
-            <a:noFill/>
-          </a:ln>
-        </p:spPr>
-        <p:txBody>
-          <a:bodyPr spcFirstLastPara="1" wrap="square" lIns="91425" tIns="45700" rIns="91425" bIns="45700" anchor="t" anchorCtr="0">
-            <a:noAutofit/>
-          </a:bodyPr>
-          <a:lstStyle/>
-          <a:p>
-            <a:pPr marL="76200" lvl="0" indent="0" algn="l" rtl="0">
-              <a:lnSpc>
-                <a:spcPct val="100000"/>
-              </a:lnSpc>
-              <a:spcBef>
-                <a:spcPts val="480"/>
-              </a:spcBef>
-              <a:spcAft>
-                <a:spcPts val="0"/>
-              </a:spcAft>
-              <a:buSzPts val="2400"/>
-              <a:buNone/>
-            </a:pPr>
-            <a:endParaRPr dirty="0"/>
-          </a:p>
-        </p:txBody>
-      </p:sp>
-      <p:pic>
-        <p:nvPicPr>
-          <p:cNvPr id="3" name="Picture 2">
-            <a:extLst>
-              <a:ext uri="{FF2B5EF4-FFF2-40B4-BE49-F238E27FC236}">
-                <a16:creationId xmlns:a16="http://schemas.microsoft.com/office/drawing/2014/main" id="{0AE7FEB0-7ECA-D3CA-D6CE-2739926F5848}"/>
-              </a:ext>
-            </a:extLst>
-          </p:cNvPr>
-          <p:cNvPicPr>
-            <a:picLocks noChangeAspect="1"/>
-          </p:cNvPicPr>
-          <p:nvPr/>
-        </p:nvPicPr>
-        <p:blipFill>
-          <a:blip r:embed="rId3"/>
-          <a:stretch>
-            <a:fillRect/>
-          </a:stretch>
-        </p:blipFill>
-        <p:spPr>
-          <a:xfrm>
-            <a:off x="0" y="618768"/>
-            <a:ext cx="9144000" cy="4524732"/>
-          </a:xfrm>
-          <a:prstGeom prst="rect">
-            <a:avLst/>
-          </a:prstGeom>
-        </p:spPr>
-      </p:pic>
     </p:spTree>
   </p:cSld>
   <p:clrMapOvr>
@@ -15749,6 +15847,15 @@
 </file>
 
 <file path=customXml/item2.xml><?xml version="1.0" encoding="utf-8"?>
+<?mso-contentType ?>
+<FormTemplates xmlns="http://schemas.microsoft.com/sharepoint/v3/contenttype/forms">
+  <Display>DocumentLibraryForm</Display>
+  <Edit>DocumentLibraryForm</Edit>
+  <New>DocumentLibraryForm</New>
+</FormTemplates>
+</file>
+
+<file path=customXml/item3.xml><?xml version="1.0" encoding="utf-8"?>
 <ct:contentTypeSchema xmlns:ct="http://schemas.microsoft.com/office/2006/metadata/contentType" xmlns:ma="http://schemas.microsoft.com/office/2006/metadata/properties/metaAttributes" ct:_="" ma:_="" ma:contentTypeName="Document" ma:contentTypeID="0x010100253AC9B578968F4B8BFCF09837AF7C8A" ma:contentTypeVersion="9" ma:contentTypeDescription="Create a new document." ma:contentTypeScope="" ma:versionID="c4adfd5fab4e5e363f3575a43218648d">
   <xsd:schema xmlns:xsd="http://www.w3.org/2001/XMLSchema" xmlns:xs="http://www.w3.org/2001/XMLSchema" xmlns:p="http://schemas.microsoft.com/office/2006/metadata/properties" xmlns:ns2="6750e4af-3250-4633-942a-2005b2dae5d1" xmlns:ns3="83c60fad-5858-41f2-aefd-63538264e470" targetNamespace="http://schemas.microsoft.com/office/2006/metadata/properties" ma:root="true" ma:fieldsID="64d25d737bf78ac0e2487d75ce622ff7" ns2:_="" ns3:_="">
     <xsd:import namespace="6750e4af-3250-4633-942a-2005b2dae5d1"/>
@@ -15943,15 +16050,6 @@
 </ct:contentTypeSchema>
 </file>
 
-<file path=customXml/item3.xml><?xml version="1.0" encoding="utf-8"?>
-<?mso-contentType ?>
-<FormTemplates xmlns="http://schemas.microsoft.com/sharepoint/v3/contenttype/forms">
-  <Display>DocumentLibraryForm</Display>
-  <Edit>DocumentLibraryForm</Edit>
-  <New>DocumentLibraryForm</New>
-</FormTemplates>
-</file>
-
 <file path=customXml/itemProps1.xml><?xml version="1.0" encoding="utf-8"?>
 <ds:datastoreItem xmlns:ds="http://schemas.openxmlformats.org/officeDocument/2006/customXml" ds:itemID="{8BCEF15E-E479-4F6D-BD2E-9BD7AB469B25}">
   <ds:schemaRefs>
@@ -15962,6 +16060,14 @@
 </file>
 
 <file path=customXml/itemProps2.xml><?xml version="1.0" encoding="utf-8"?>
+<ds:datastoreItem xmlns:ds="http://schemas.openxmlformats.org/officeDocument/2006/customXml" ds:itemID="{FE97D275-BE8D-4C41-8C4B-EF5ED5C11BC0}">
+  <ds:schemaRefs>
+    <ds:schemaRef ds:uri="http://schemas.microsoft.com/sharepoint/v3/contenttype/forms"/>
+  </ds:schemaRefs>
+</ds:datastoreItem>
+</file>
+
+<file path=customXml/itemProps3.xml><?xml version="1.0" encoding="utf-8"?>
 <ds:datastoreItem xmlns:ds="http://schemas.openxmlformats.org/officeDocument/2006/customXml" ds:itemID="{C82D0DC1-C67D-486A-8AAD-20D0631192BF}">
   <ds:schemaRefs>
     <ds:schemaRef ds:uri="http://schemas.microsoft.com/office/2006/metadata/contentType"/>
@@ -15978,12 +16084,4 @@
     <ds:schemaRef ds:uri="http://schemas.microsoft.com/internal/obd"/>
   </ds:schemaRefs>
 </ds:datastoreItem>
-</file>
-
-<file path=customXml/itemProps3.xml><?xml version="1.0" encoding="utf-8"?>
-<ds:datastoreItem xmlns:ds="http://schemas.openxmlformats.org/officeDocument/2006/customXml" ds:itemID="{FE97D275-BE8D-4C41-8C4B-EF5ED5C11BC0}">
-  <ds:schemaRefs>
-    <ds:schemaRef ds:uri="http://schemas.microsoft.com/sharepoint/v3/contenttype/forms"/>
-  </ds:schemaRefs>
-</ds:datastoreItem>
 </file>
--- a/Assignment 2-PoS tagging.pptx
+++ b/Assignment 2-PoS tagging.pptx
@@ -6,7 +6,7 @@
     <p:sldMasterId id="2147483670" r:id="rId5"/>
   </p:sldMasterIdLst>
   <p:notesMasterIdLst>
-    <p:notesMasterId r:id="rId18"/>
+    <p:notesMasterId r:id="rId19"/>
   </p:notesMasterIdLst>
   <p:sldIdLst>
     <p:sldId id="256" r:id="rId6"/>
@@ -14,13 +14,14 @@
     <p:sldId id="258" r:id="rId8"/>
     <p:sldId id="259" r:id="rId9"/>
     <p:sldId id="260" r:id="rId10"/>
-    <p:sldId id="261" r:id="rId11"/>
-    <p:sldId id="267" r:id="rId12"/>
-    <p:sldId id="262" r:id="rId13"/>
-    <p:sldId id="263" r:id="rId14"/>
-    <p:sldId id="264" r:id="rId15"/>
-    <p:sldId id="266" r:id="rId16"/>
-    <p:sldId id="265" r:id="rId17"/>
+    <p:sldId id="269" r:id="rId11"/>
+    <p:sldId id="261" r:id="rId12"/>
+    <p:sldId id="267" r:id="rId13"/>
+    <p:sldId id="262" r:id="rId14"/>
+    <p:sldId id="263" r:id="rId15"/>
+    <p:sldId id="264" r:id="rId16"/>
+    <p:sldId id="266" r:id="rId17"/>
+    <p:sldId id="265" r:id="rId18"/>
   </p:sldIdLst>
   <p:sldSz cx="9144000" cy="5143500" type="screen16x9"/>
   <p:notesSz cx="6858000" cy="9144000"/>
@@ -884,6 +885,110 @@
   <p:cSld>
     <p:spTree>
       <p:nvGrpSpPr>
+        <p:cNvPr id="1" name="Shape 136"/>
+        <p:cNvGrpSpPr/>
+        <p:nvPr/>
+      </p:nvGrpSpPr>
+      <p:grpSpPr>
+        <a:xfrm>
+          <a:off x="0" y="0"/>
+          <a:ext cx="0" cy="0"/>
+          <a:chOff x="0" y="0"/>
+          <a:chExt cx="0" cy="0"/>
+        </a:xfrm>
+      </p:grpSpPr>
+      <p:sp>
+        <p:nvSpPr>
+          <p:cNvPr id="137" name="Google Shape;137;g28910c39037_0_0:notes"/>
+          <p:cNvSpPr txBox="1">
+            <a:spLocks noGrp="1"/>
+          </p:cNvSpPr>
+          <p:nvPr>
+            <p:ph type="body" idx="1"/>
+          </p:nvPr>
+        </p:nvSpPr>
+        <p:spPr>
+          <a:xfrm>
+            <a:off x="686098" y="4343703"/>
+            <a:ext cx="5485800" cy="4113900"/>
+          </a:xfrm>
+          <a:prstGeom prst="rect">
+            <a:avLst/>
+          </a:prstGeom>
+        </p:spPr>
+        <p:txBody>
+          <a:bodyPr spcFirstLastPara="1" wrap="square" lIns="86175" tIns="86175" rIns="86175" bIns="86175" anchor="t" anchorCtr="0">
+            <a:noAutofit/>
+          </a:bodyPr>
+          <a:lstStyle/>
+          <a:p>
+            <a:pPr marL="0" lvl="0" indent="0" algn="l" rtl="0">
+              <a:spcBef>
+                <a:spcPts val="0"/>
+              </a:spcBef>
+              <a:spcAft>
+                <a:spcPts val="0"/>
+              </a:spcAft>
+              <a:buNone/>
+            </a:pPr>
+            <a:endParaRPr/>
+          </a:p>
+        </p:txBody>
+      </p:sp>
+      <p:sp>
+        <p:nvSpPr>
+          <p:cNvPr id="138" name="Google Shape;138;g28910c39037_0_0:notes"/>
+          <p:cNvSpPr>
+            <a:spLocks noGrp="1" noRot="1" noChangeAspect="1"/>
+          </p:cNvSpPr>
+          <p:nvPr>
+            <p:ph type="sldImg" idx="2"/>
+          </p:nvPr>
+        </p:nvSpPr>
+        <p:spPr>
+          <a:xfrm>
+            <a:off x="381000" y="685800"/>
+            <a:ext cx="6096000" cy="3429000"/>
+          </a:xfrm>
+          <a:custGeom>
+            <a:avLst/>
+            <a:gdLst/>
+            <a:ahLst/>
+            <a:cxnLst/>
+            <a:rect l="l" t="t" r="r" b="b"/>
+            <a:pathLst>
+              <a:path w="120000" h="120000" extrusionOk="0">
+                <a:moveTo>
+                  <a:pt x="0" y="0"/>
+                </a:moveTo>
+                <a:lnTo>
+                  <a:pt x="120000" y="0"/>
+                </a:lnTo>
+                <a:lnTo>
+                  <a:pt x="120000" y="120000"/>
+                </a:lnTo>
+                <a:lnTo>
+                  <a:pt x="0" y="120000"/>
+                </a:lnTo>
+                <a:close/>
+              </a:path>
+            </a:pathLst>
+          </a:custGeom>
+        </p:spPr>
+      </p:sp>
+    </p:spTree>
+  </p:cSld>
+  <p:clrMapOvr>
+    <a:masterClrMapping/>
+  </p:clrMapOvr>
+</p:notes>
+</file>
+
+<file path=ppt/notesSlides/notesSlide11.xml><?xml version="1.0" encoding="utf-8"?>
+<p:notes xmlns:a="http://schemas.openxmlformats.org/drawingml/2006/main" xmlns:r="http://schemas.openxmlformats.org/officeDocument/2006/relationships" xmlns:p="http://schemas.openxmlformats.org/presentationml/2006/main" showMasterSp="0" showMasterPhAnim="0">
+  <p:cSld>
+    <p:spTree>
+      <p:nvGrpSpPr>
         <p:cNvPr id="1" name="Shape 148"/>
         <p:cNvGrpSpPr/>
         <p:nvPr/>
@@ -983,7 +1088,7 @@
 </p:notes>
 </file>
 
-<file path=ppt/notesSlides/notesSlide11.xml><?xml version="1.0" encoding="utf-8"?>
+<file path=ppt/notesSlides/notesSlide12.xml><?xml version="1.0" encoding="utf-8"?>
 <p:notes xmlns:a="http://schemas.openxmlformats.org/drawingml/2006/main" xmlns:r="http://schemas.openxmlformats.org/officeDocument/2006/relationships" xmlns:p="http://schemas.openxmlformats.org/presentationml/2006/main" showMasterSp="0" showMasterPhAnim="0">
   <p:cSld>
     <p:spTree>
@@ -1508,6 +1613,115 @@
   <p:cSld>
     <p:spTree>
       <p:nvGrpSpPr>
+        <p:cNvPr id="1" name="Shape 113"/>
+        <p:cNvGrpSpPr/>
+        <p:nvPr/>
+      </p:nvGrpSpPr>
+      <p:grpSpPr>
+        <a:xfrm>
+          <a:off x="0" y="0"/>
+          <a:ext cx="0" cy="0"/>
+          <a:chOff x="0" y="0"/>
+          <a:chExt cx="0" cy="0"/>
+        </a:xfrm>
+      </p:grpSpPr>
+      <p:sp>
+        <p:nvSpPr>
+          <p:cNvPr id="114" name="Google Shape;114;g28910898772_1_65:notes"/>
+          <p:cNvSpPr txBox="1">
+            <a:spLocks noGrp="1"/>
+          </p:cNvSpPr>
+          <p:nvPr>
+            <p:ph type="body" idx="1"/>
+          </p:nvPr>
+        </p:nvSpPr>
+        <p:spPr>
+          <a:xfrm>
+            <a:off x="686098" y="4343703"/>
+            <a:ext cx="5485805" cy="4113892"/>
+          </a:xfrm>
+          <a:prstGeom prst="rect">
+            <a:avLst/>
+          </a:prstGeom>
+        </p:spPr>
+        <p:txBody>
+          <a:bodyPr spcFirstLastPara="1" wrap="square" lIns="86175" tIns="86175" rIns="86175" bIns="86175" anchor="t" anchorCtr="0">
+            <a:noAutofit/>
+          </a:bodyPr>
+          <a:lstStyle/>
+          <a:p>
+            <a:pPr marL="0" lvl="0" indent="0" algn="l" rtl="0">
+              <a:spcBef>
+                <a:spcPts val="0"/>
+              </a:spcBef>
+              <a:spcAft>
+                <a:spcPts val="0"/>
+              </a:spcAft>
+              <a:buNone/>
+            </a:pPr>
+            <a:endParaRPr/>
+          </a:p>
+        </p:txBody>
+      </p:sp>
+      <p:sp>
+        <p:nvSpPr>
+          <p:cNvPr id="115" name="Google Shape;115;g28910898772_1_65:notes"/>
+          <p:cNvSpPr>
+            <a:spLocks noGrp="1" noRot="1" noChangeAspect="1"/>
+          </p:cNvSpPr>
+          <p:nvPr>
+            <p:ph type="sldImg" idx="2"/>
+          </p:nvPr>
+        </p:nvSpPr>
+        <p:spPr>
+          <a:xfrm>
+            <a:off x="381000" y="685800"/>
+            <a:ext cx="6096000" cy="3429000"/>
+          </a:xfrm>
+          <a:custGeom>
+            <a:avLst/>
+            <a:gdLst/>
+            <a:ahLst/>
+            <a:cxnLst/>
+            <a:rect l="l" t="t" r="r" b="b"/>
+            <a:pathLst>
+              <a:path w="120000" h="120000" extrusionOk="0">
+                <a:moveTo>
+                  <a:pt x="0" y="0"/>
+                </a:moveTo>
+                <a:lnTo>
+                  <a:pt x="120000" y="0"/>
+                </a:lnTo>
+                <a:lnTo>
+                  <a:pt x="120000" y="120000"/>
+                </a:lnTo>
+                <a:lnTo>
+                  <a:pt x="0" y="120000"/>
+                </a:lnTo>
+                <a:close/>
+              </a:path>
+            </a:pathLst>
+          </a:custGeom>
+        </p:spPr>
+      </p:sp>
+    </p:spTree>
+    <p:extLst>
+      <p:ext uri="{BB962C8B-B14F-4D97-AF65-F5344CB8AC3E}">
+        <p14:creationId xmlns:p14="http://schemas.microsoft.com/office/powerpoint/2010/main" val="1816010338"/>
+      </p:ext>
+    </p:extLst>
+  </p:cSld>
+  <p:clrMapOvr>
+    <a:masterClrMapping/>
+  </p:clrMapOvr>
+</p:notes>
+</file>
+
+<file path=ppt/notesSlides/notesSlide7.xml><?xml version="1.0" encoding="utf-8"?>
+<p:notes xmlns:a="http://schemas.openxmlformats.org/drawingml/2006/main" xmlns:r="http://schemas.openxmlformats.org/officeDocument/2006/relationships" xmlns:p="http://schemas.openxmlformats.org/presentationml/2006/main" showMasterSp="0" showMasterPhAnim="0">
+  <p:cSld>
+    <p:spTree>
+      <p:nvGrpSpPr>
         <p:cNvPr id="1" name="Shape 118"/>
         <p:cNvGrpSpPr/>
         <p:nvPr/>
@@ -1607,7 +1821,7 @@
 </p:notes>
 </file>
 
-<file path=ppt/notesSlides/notesSlide7.xml><?xml version="1.0" encoding="utf-8"?>
+<file path=ppt/notesSlides/notesSlide8.xml><?xml version="1.0" encoding="utf-8"?>
 <p:notes xmlns:a="http://schemas.openxmlformats.org/drawingml/2006/main" xmlns:r="http://schemas.openxmlformats.org/officeDocument/2006/relationships" xmlns:p="http://schemas.openxmlformats.org/presentationml/2006/main" showMasterSp="0" showMasterPhAnim="0">
   <p:cSld>
     <p:spTree>
@@ -1711,7 +1925,7 @@
 </p:notes>
 </file>
 
-<file path=ppt/notesSlides/notesSlide8.xml><?xml version="1.0" encoding="utf-8"?>
+<file path=ppt/notesSlides/notesSlide9.xml><?xml version="1.0" encoding="utf-8"?>
 <p:notes xmlns:a="http://schemas.openxmlformats.org/drawingml/2006/main" xmlns:r="http://schemas.openxmlformats.org/officeDocument/2006/relationships" xmlns:p="http://schemas.openxmlformats.org/presentationml/2006/main" showMasterSp="0" showMasterPhAnim="0">
   <p:cSld>
     <p:spTree>
@@ -1769,110 +1983,6 @@
       <p:sp>
         <p:nvSpPr>
           <p:cNvPr id="132" name="Google Shape;132;g28910898772_1_79:notes"/>
-          <p:cNvSpPr>
-            <a:spLocks noGrp="1" noRot="1" noChangeAspect="1"/>
-          </p:cNvSpPr>
-          <p:nvPr>
-            <p:ph type="sldImg" idx="2"/>
-          </p:nvPr>
-        </p:nvSpPr>
-        <p:spPr>
-          <a:xfrm>
-            <a:off x="381000" y="685800"/>
-            <a:ext cx="6096000" cy="3429000"/>
-          </a:xfrm>
-          <a:custGeom>
-            <a:avLst/>
-            <a:gdLst/>
-            <a:ahLst/>
-            <a:cxnLst/>
-            <a:rect l="l" t="t" r="r" b="b"/>
-            <a:pathLst>
-              <a:path w="120000" h="120000" extrusionOk="0">
-                <a:moveTo>
-                  <a:pt x="0" y="0"/>
-                </a:moveTo>
-                <a:lnTo>
-                  <a:pt x="120000" y="0"/>
-                </a:lnTo>
-                <a:lnTo>
-                  <a:pt x="120000" y="120000"/>
-                </a:lnTo>
-                <a:lnTo>
-                  <a:pt x="0" y="120000"/>
-                </a:lnTo>
-                <a:close/>
-              </a:path>
-            </a:pathLst>
-          </a:custGeom>
-        </p:spPr>
-      </p:sp>
-    </p:spTree>
-  </p:cSld>
-  <p:clrMapOvr>
-    <a:masterClrMapping/>
-  </p:clrMapOvr>
-</p:notes>
-</file>
-
-<file path=ppt/notesSlides/notesSlide9.xml><?xml version="1.0" encoding="utf-8"?>
-<p:notes xmlns:a="http://schemas.openxmlformats.org/drawingml/2006/main" xmlns:r="http://schemas.openxmlformats.org/officeDocument/2006/relationships" xmlns:p="http://schemas.openxmlformats.org/presentationml/2006/main" showMasterSp="0" showMasterPhAnim="0">
-  <p:cSld>
-    <p:spTree>
-      <p:nvGrpSpPr>
-        <p:cNvPr id="1" name="Shape 136"/>
-        <p:cNvGrpSpPr/>
-        <p:nvPr/>
-      </p:nvGrpSpPr>
-      <p:grpSpPr>
-        <a:xfrm>
-          <a:off x="0" y="0"/>
-          <a:ext cx="0" cy="0"/>
-          <a:chOff x="0" y="0"/>
-          <a:chExt cx="0" cy="0"/>
-        </a:xfrm>
-      </p:grpSpPr>
-      <p:sp>
-        <p:nvSpPr>
-          <p:cNvPr id="137" name="Google Shape;137;g28910c39037_0_0:notes"/>
-          <p:cNvSpPr txBox="1">
-            <a:spLocks noGrp="1"/>
-          </p:cNvSpPr>
-          <p:nvPr>
-            <p:ph type="body" idx="1"/>
-          </p:nvPr>
-        </p:nvSpPr>
-        <p:spPr>
-          <a:xfrm>
-            <a:off x="686098" y="4343703"/>
-            <a:ext cx="5485800" cy="4113900"/>
-          </a:xfrm>
-          <a:prstGeom prst="rect">
-            <a:avLst/>
-          </a:prstGeom>
-        </p:spPr>
-        <p:txBody>
-          <a:bodyPr spcFirstLastPara="1" wrap="square" lIns="86175" tIns="86175" rIns="86175" bIns="86175" anchor="t" anchorCtr="0">
-            <a:noAutofit/>
-          </a:bodyPr>
-          <a:lstStyle/>
-          <a:p>
-            <a:pPr marL="0" lvl="0" indent="0" algn="l" rtl="0">
-              <a:spcBef>
-                <a:spcPts val="0"/>
-              </a:spcBef>
-              <a:spcAft>
-                <a:spcPts val="0"/>
-              </a:spcAft>
-              <a:buNone/>
-            </a:pPr>
-            <a:endParaRPr/>
-          </a:p>
-        </p:txBody>
-      </p:sp>
-      <p:sp>
-        <p:nvSpPr>
-          <p:cNvPr id="138" name="Google Shape;138;g28910c39037_0_0:notes"/>
           <p:cNvSpPr>
             <a:spLocks noGrp="1" noRot="1" noChangeAspect="1"/>
           </p:cNvSpPr>
@@ -12798,6 +12908,228 @@
   <p:cSld>
     <p:spTree>
       <p:nvGrpSpPr>
+        <p:cNvPr id="1" name="Shape 133"/>
+        <p:cNvGrpSpPr/>
+        <p:nvPr/>
+      </p:nvGrpSpPr>
+      <p:grpSpPr>
+        <a:xfrm>
+          <a:off x="0" y="0"/>
+          <a:ext cx="0" cy="0"/>
+          <a:chOff x="0" y="0"/>
+          <a:chExt cx="0" cy="0"/>
+        </a:xfrm>
+      </p:grpSpPr>
+      <p:sp>
+        <p:nvSpPr>
+          <p:cNvPr id="134" name="Google Shape;134;p31"/>
+          <p:cNvSpPr txBox="1">
+            <a:spLocks noGrp="1"/>
+          </p:cNvSpPr>
+          <p:nvPr>
+            <p:ph type="title"/>
+          </p:nvPr>
+        </p:nvSpPr>
+        <p:spPr>
+          <a:xfrm>
+            <a:off x="457200" y="205978"/>
+            <a:ext cx="8229600" cy="857250"/>
+          </a:xfrm>
+          <a:prstGeom prst="rect">
+            <a:avLst/>
+          </a:prstGeom>
+          <a:noFill/>
+          <a:ln>
+            <a:noFill/>
+          </a:ln>
+        </p:spPr>
+        <p:txBody>
+          <a:bodyPr spcFirstLastPara="1" wrap="square" lIns="91425" tIns="45700" rIns="91425" bIns="45700" anchor="ctr" anchorCtr="0">
+            <a:noAutofit/>
+          </a:bodyPr>
+          <a:lstStyle/>
+          <a:p>
+            <a:pPr marL="0" lvl="0" indent="0" algn="ctr" rtl="0">
+              <a:lnSpc>
+                <a:spcPct val="100000"/>
+              </a:lnSpc>
+              <a:spcBef>
+                <a:spcPts val="0"/>
+              </a:spcBef>
+              <a:spcAft>
+                <a:spcPts val="0"/>
+              </a:spcAft>
+              <a:buSzPts val="1400"/>
+              <a:buNone/>
+            </a:pPr>
+            <a:r>
+              <a:rPr lang="en-GB"/>
+              <a:t>Inferencing/Decoding Info</a:t>
+            </a:r>
+            <a:endParaRPr/>
+          </a:p>
+        </p:txBody>
+      </p:sp>
+      <p:sp>
+        <p:nvSpPr>
+          <p:cNvPr id="135" name="Google Shape;135;p31"/>
+          <p:cNvSpPr txBox="1">
+            <a:spLocks noGrp="1"/>
+          </p:cNvSpPr>
+          <p:nvPr>
+            <p:ph type="body" idx="1"/>
+          </p:nvPr>
+        </p:nvSpPr>
+        <p:spPr>
+          <a:xfrm>
+            <a:off x="437745" y="1000549"/>
+            <a:ext cx="8501974" cy="4255370"/>
+          </a:xfrm>
+          <a:prstGeom prst="rect">
+            <a:avLst/>
+          </a:prstGeom>
+          <a:noFill/>
+          <a:ln>
+            <a:noFill/>
+          </a:ln>
+        </p:spPr>
+        <p:txBody>
+          <a:bodyPr spcFirstLastPara="1" wrap="square" lIns="91425" tIns="45700" rIns="91425" bIns="45700" anchor="t" anchorCtr="0">
+            <a:noAutofit/>
+          </a:bodyPr>
+          <a:lstStyle/>
+          <a:p>
+            <a:pPr marL="419100" lvl="0" indent="-342900" algn="l" rtl="0">
+              <a:lnSpc>
+                <a:spcPct val="100000"/>
+              </a:lnSpc>
+              <a:spcBef>
+                <a:spcPts val="480"/>
+              </a:spcBef>
+              <a:spcAft>
+                <a:spcPts val="0"/>
+              </a:spcAft>
+              <a:buSzPts val="2400"/>
+              <a:buChar char="•"/>
+            </a:pPr>
+            <a:r>
+              <a:rPr lang="en-US" sz="1600" dirty="0"/>
+              <a:t>Objective: Implementing the Viterbi algorithm for Part-of-Speech Tagging</a:t>
+            </a:r>
+          </a:p>
+          <a:p>
+            <a:pPr marL="419100" lvl="0" indent="-342900" algn="l" rtl="0">
+              <a:lnSpc>
+                <a:spcPct val="100000"/>
+              </a:lnSpc>
+              <a:spcBef>
+                <a:spcPts val="480"/>
+              </a:spcBef>
+              <a:spcAft>
+                <a:spcPts val="0"/>
+              </a:spcAft>
+              <a:buSzPts val="2400"/>
+              <a:buChar char="•"/>
+            </a:pPr>
+            <a:r>
+              <a:rPr lang="en-US" sz="1600" dirty="0"/>
+              <a:t>Inputs: Tag-to-word probability dictionary, transition probability matrix, input sentence</a:t>
+            </a:r>
+          </a:p>
+          <a:p>
+            <a:pPr marL="419100" lvl="0" indent="-342900" algn="l" rtl="0">
+              <a:lnSpc>
+                <a:spcPct val="100000"/>
+              </a:lnSpc>
+              <a:spcBef>
+                <a:spcPts val="480"/>
+              </a:spcBef>
+              <a:spcAft>
+                <a:spcPts val="0"/>
+              </a:spcAft>
+              <a:buSzPts val="2400"/>
+              <a:buChar char="•"/>
+            </a:pPr>
+            <a:r>
+              <a:rPr lang="en-US" sz="1600" dirty="0"/>
+              <a:t>Processing:</a:t>
+            </a:r>
+          </a:p>
+          <a:p>
+            <a:pPr marL="876300" lvl="1" indent="-342900">
+              <a:buChar char="•"/>
+            </a:pPr>
+            <a:r>
+              <a:rPr lang="en-US" sz="1600" dirty="0"/>
+              <a:t>Iterate through each word in the input sentence</a:t>
+            </a:r>
+          </a:p>
+          <a:p>
+            <a:pPr marL="876300" lvl="1" indent="-342900">
+              <a:buChar char="•"/>
+            </a:pPr>
+            <a:r>
+              <a:rPr lang="en-US" sz="1600" dirty="0"/>
+              <a:t>For each word, iterate through the current tag sequences</a:t>
+            </a:r>
+          </a:p>
+          <a:p>
+            <a:pPr marL="876300" lvl="1" indent="-342900">
+              <a:buChar char="•"/>
+            </a:pPr>
+            <a:r>
+              <a:rPr lang="en-US" sz="1600" dirty="0"/>
+              <a:t>Calculate the lexical probability of the word given the tag using the probability dictionary</a:t>
+            </a:r>
+          </a:p>
+          <a:p>
+            <a:pPr marL="876300" lvl="1" indent="-342900">
+              <a:buChar char="•"/>
+            </a:pPr>
+            <a:r>
+              <a:rPr lang="en-US" sz="1600" dirty="0"/>
+              <a:t>Calculate the transition probability from previous tag to the new tag using the transition matrix</a:t>
+            </a:r>
+          </a:p>
+          <a:p>
+            <a:pPr marL="876300" lvl="1" indent="-342900">
+              <a:buChar char="•"/>
+            </a:pPr>
+            <a:r>
+              <a:rPr lang="en-US" sz="1600" dirty="0"/>
+              <a:t>Retain the top (</a:t>
+            </a:r>
+            <a:r>
+              <a:rPr lang="en-US" sz="1600" dirty="0" err="1"/>
+              <a:t>max_entries</a:t>
+            </a:r>
+            <a:r>
+              <a:rPr lang="en-US" sz="1600" dirty="0"/>
+              <a:t>) tag sequences formed with the highest probability, and repeat</a:t>
+            </a:r>
+          </a:p>
+          <a:p>
+            <a:pPr marL="419100" indent="-342900"/>
+            <a:r>
+              <a:rPr lang="en-US" sz="1600" dirty="0"/>
+              <a:t>Output: tag sequence with highest probability</a:t>
+            </a:r>
+          </a:p>
+        </p:txBody>
+      </p:sp>
+    </p:spTree>
+  </p:cSld>
+  <p:clrMapOvr>
+    <a:masterClrMapping/>
+  </p:clrMapOvr>
+</p:sld>
+</file>
+
+<file path=ppt/slides/slide11.xml><?xml version="1.0" encoding="utf-8"?>
+<p:sld xmlns:a="http://schemas.openxmlformats.org/drawingml/2006/main" xmlns:r="http://schemas.openxmlformats.org/officeDocument/2006/relationships" xmlns:p="http://schemas.openxmlformats.org/presentationml/2006/main">
+  <p:cSld>
+    <p:spTree>
+      <p:nvGrpSpPr>
         <p:cNvPr id="1" name="Shape 139"/>
         <p:cNvGrpSpPr/>
         <p:nvPr/>
@@ -12944,7 +13276,7 @@
 </p:sld>
 </file>
 
-<file path=ppt/slides/slide11.xml><?xml version="1.0" encoding="utf-8"?>
+<file path=ppt/slides/slide12.xml><?xml version="1.0" encoding="utf-8"?>
 <p:sld xmlns:a="http://schemas.openxmlformats.org/drawingml/2006/main" xmlns:r="http://schemas.openxmlformats.org/officeDocument/2006/relationships" xmlns:p="http://schemas.openxmlformats.org/presentationml/2006/main">
   <p:cSld>
     <p:spTree>
@@ -13438,7 +13770,7 @@
 </p:sld>
 </file>
 
-<file path=ppt/slides/slide12.xml><?xml version="1.0" encoding="utf-8"?>
+<file path=ppt/slides/slide13.xml><?xml version="1.0" encoding="utf-8"?>
 <p:sld xmlns:a="http://schemas.openxmlformats.org/drawingml/2006/main" xmlns:r="http://schemas.openxmlformats.org/officeDocument/2006/relationships" xmlns:p="http://schemas.openxmlformats.org/presentationml/2006/main" show="0">
   <p:cSld>
     <p:spTree>
@@ -14313,6 +14645,66 @@
   <p:cSld>
     <p:spTree>
       <p:nvGrpSpPr>
+        <p:cNvPr id="1" name="Shape 116"/>
+        <p:cNvGrpSpPr/>
+        <p:nvPr/>
+      </p:nvGrpSpPr>
+      <p:grpSpPr>
+        <a:xfrm>
+          <a:off x="0" y="0"/>
+          <a:ext cx="0" cy="0"/>
+          <a:chOff x="0" y="0"/>
+          <a:chExt cx="0" cy="0"/>
+        </a:xfrm>
+      </p:grpSpPr>
+      <p:pic>
+        <p:nvPicPr>
+          <p:cNvPr id="6" name="Picture 5">
+            <a:extLst>
+              <a:ext uri="{FF2B5EF4-FFF2-40B4-BE49-F238E27FC236}">
+                <a16:creationId xmlns:a16="http://schemas.microsoft.com/office/drawing/2014/main" id="{94C4064A-881D-6AFB-5C45-FCD0C090F649}"/>
+              </a:ext>
+            </a:extLst>
+          </p:cNvPr>
+          <p:cNvPicPr>
+            <a:picLocks noChangeAspect="1"/>
+          </p:cNvPicPr>
+          <p:nvPr/>
+        </p:nvPicPr>
+        <p:blipFill>
+          <a:blip r:embed="rId3"/>
+          <a:stretch>
+            <a:fillRect/>
+          </a:stretch>
+        </p:blipFill>
+        <p:spPr>
+          <a:xfrm>
+            <a:off x="1321394" y="0"/>
+            <a:ext cx="6501212" cy="5143500"/>
+          </a:xfrm>
+          <a:prstGeom prst="rect">
+            <a:avLst/>
+          </a:prstGeom>
+        </p:spPr>
+      </p:pic>
+    </p:spTree>
+    <p:extLst>
+      <p:ext uri="{BB962C8B-B14F-4D97-AF65-F5344CB8AC3E}">
+        <p14:creationId xmlns:p14="http://schemas.microsoft.com/office/powerpoint/2010/main" val="2765123296"/>
+      </p:ext>
+    </p:extLst>
+  </p:cSld>
+  <p:clrMapOvr>
+    <a:masterClrMapping/>
+  </p:clrMapOvr>
+</p:sld>
+</file>
+
+<file path=ppt/slides/slide7.xml><?xml version="1.0" encoding="utf-8"?>
+<p:sld xmlns:a="http://schemas.openxmlformats.org/drawingml/2006/main" xmlns:r="http://schemas.openxmlformats.org/officeDocument/2006/relationships" xmlns:p="http://schemas.openxmlformats.org/presentationml/2006/main">
+  <p:cSld>
+    <p:spTree>
+      <p:nvGrpSpPr>
         <p:cNvPr id="1" name="Shape 121"/>
         <p:cNvGrpSpPr/>
         <p:nvPr/>
@@ -14368,10 +14760,10 @@
               <a:buNone/>
             </a:pPr>
             <a:r>
-              <a:rPr lang="en-GB"/>
-              <a:t>Interpretation of confusion (error analysis)</a:t>
+              <a:rPr lang="en-GB" dirty="0"/>
+              <a:t>Interpretation of confusion (error analysis) [1/2]</a:t>
             </a:r>
-            <a:endParaRPr/>
+            <a:endParaRPr dirty="0"/>
           </a:p>
         </p:txBody>
       </p:sp>
@@ -14515,7 +14907,7 @@
 </p:sld>
 </file>
 
-<file path=ppt/slides/slide7.xml><?xml version="1.0" encoding="utf-8"?>
+<file path=ppt/slides/slide8.xml><?xml version="1.0" encoding="utf-8"?>
 <p:sld xmlns:a="http://schemas.openxmlformats.org/drawingml/2006/main" xmlns:r="http://schemas.openxmlformats.org/officeDocument/2006/relationships" xmlns:p="http://schemas.openxmlformats.org/presentationml/2006/main">
   <p:cSld>
     <p:spTree>
@@ -14553,6 +14945,10 @@
           <a:bodyPr/>
           <a:lstStyle/>
           <a:p>
+            <a:r>
+              <a:rPr lang="en-GB" dirty="0"/>
+              <a:t>Interpretation of confusion (error analysis)[2/2]</a:t>
+            </a:r>
             <a:endParaRPr lang="en-IN" dirty="0"/>
           </a:p>
         </p:txBody>
@@ -14580,19 +14976,50 @@
           <a:p>
             <a:r>
               <a:rPr lang="en-IN" dirty="0"/>
-              <a:t>PRT vs ADP – </a:t>
+              <a:t>PRT vs ADP: </a:t>
             </a:r>
             <a:r>
-              <a:rPr lang="en-IN" dirty="0" err="1"/>
-              <a:t>eg</a:t>
+              <a:rPr lang="en-US" dirty="0"/>
+              <a:t>The model struggles to distinguish between particles (PRT) and </a:t>
             </a:r>
             <a:r>
-              <a:rPr lang="en-IN" dirty="0"/>
-              <a:t> ‘on, at’ – context</a:t>
+              <a:rPr lang="en-US" dirty="0" err="1"/>
+              <a:t>adpositions</a:t>
             </a:r>
+            <a:r>
+              <a:rPr lang="en-US" dirty="0"/>
+              <a:t> (ADP) such as 'on' and 'at' due to contextual nuances</a:t>
+            </a:r>
+            <a:endParaRPr lang="en-IN" dirty="0"/>
           </a:p>
           <a:p>
-            <a:endParaRPr lang="en-IN"/>
+            <a:r>
+              <a:rPr lang="en-IN" dirty="0"/>
+              <a:t>ADJ vs ADV: </a:t>
+            </a:r>
+            <a:r>
+              <a:rPr lang="en-US" dirty="0"/>
+              <a:t>Distinguishing between ADJ and ADV, both describing qualities, poses a challenge</a:t>
+            </a:r>
+            <a:endParaRPr lang="en-IN" dirty="0"/>
+          </a:p>
+          <a:p>
+            <a:r>
+              <a:rPr lang="en-IN" dirty="0"/>
+              <a:t>NOUN </a:t>
+            </a:r>
+            <a:r>
+              <a:rPr lang="en-IN"/>
+              <a:t>vs VERB: </a:t>
+            </a:r>
+            <a:r>
+              <a:rPr lang="en-US" dirty="0"/>
+              <a:t>A high frequency of instances where nouns and verbs share similar forms</a:t>
+            </a:r>
+            <a:endParaRPr lang="en-IN" dirty="0"/>
+          </a:p>
+          <a:p>
+            <a:endParaRPr lang="en-IN" dirty="0"/>
           </a:p>
           <a:p>
             <a:endParaRPr lang="en-IN" dirty="0"/>
@@ -14612,7 +15039,7 @@
 </p:sld>
 </file>
 
-<file path=ppt/slides/slide8.xml><?xml version="1.0" encoding="utf-8"?>
+<file path=ppt/slides/slide9.xml><?xml version="1.0" encoding="utf-8"?>
 <p:sld xmlns:a="http://schemas.openxmlformats.org/drawingml/2006/main" xmlns:r="http://schemas.openxmlformats.org/officeDocument/2006/relationships" xmlns:p="http://schemas.openxmlformats.org/presentationml/2006/main">
   <p:cSld>
     <p:spTree>
@@ -14764,228 +15191,6 @@
               <a:t>Special Character Removal: special characters and punctuation not relevant for POS tagging are removed</a:t>
             </a:r>
             <a:endParaRPr lang="en-GB" dirty="0"/>
-          </a:p>
-        </p:txBody>
-      </p:sp>
-    </p:spTree>
-  </p:cSld>
-  <p:clrMapOvr>
-    <a:masterClrMapping/>
-  </p:clrMapOvr>
-</p:sld>
-</file>
-
-<file path=ppt/slides/slide9.xml><?xml version="1.0" encoding="utf-8"?>
-<p:sld xmlns:a="http://schemas.openxmlformats.org/drawingml/2006/main" xmlns:r="http://schemas.openxmlformats.org/officeDocument/2006/relationships" xmlns:p="http://schemas.openxmlformats.org/presentationml/2006/main">
-  <p:cSld>
-    <p:spTree>
-      <p:nvGrpSpPr>
-        <p:cNvPr id="1" name="Shape 133"/>
-        <p:cNvGrpSpPr/>
-        <p:nvPr/>
-      </p:nvGrpSpPr>
-      <p:grpSpPr>
-        <a:xfrm>
-          <a:off x="0" y="0"/>
-          <a:ext cx="0" cy="0"/>
-          <a:chOff x="0" y="0"/>
-          <a:chExt cx="0" cy="0"/>
-        </a:xfrm>
-      </p:grpSpPr>
-      <p:sp>
-        <p:nvSpPr>
-          <p:cNvPr id="134" name="Google Shape;134;p31"/>
-          <p:cNvSpPr txBox="1">
-            <a:spLocks noGrp="1"/>
-          </p:cNvSpPr>
-          <p:nvPr>
-            <p:ph type="title"/>
-          </p:nvPr>
-        </p:nvSpPr>
-        <p:spPr>
-          <a:xfrm>
-            <a:off x="457200" y="205978"/>
-            <a:ext cx="8229600" cy="857250"/>
-          </a:xfrm>
-          <a:prstGeom prst="rect">
-            <a:avLst/>
-          </a:prstGeom>
-          <a:noFill/>
-          <a:ln>
-            <a:noFill/>
-          </a:ln>
-        </p:spPr>
-        <p:txBody>
-          <a:bodyPr spcFirstLastPara="1" wrap="square" lIns="91425" tIns="45700" rIns="91425" bIns="45700" anchor="ctr" anchorCtr="0">
-            <a:noAutofit/>
-          </a:bodyPr>
-          <a:lstStyle/>
-          <a:p>
-            <a:pPr marL="0" lvl="0" indent="0" algn="ctr" rtl="0">
-              <a:lnSpc>
-                <a:spcPct val="100000"/>
-              </a:lnSpc>
-              <a:spcBef>
-                <a:spcPts val="0"/>
-              </a:spcBef>
-              <a:spcAft>
-                <a:spcPts val="0"/>
-              </a:spcAft>
-              <a:buSzPts val="1400"/>
-              <a:buNone/>
-            </a:pPr>
-            <a:r>
-              <a:rPr lang="en-GB"/>
-              <a:t>Inferencing/Decoding Info</a:t>
-            </a:r>
-            <a:endParaRPr/>
-          </a:p>
-        </p:txBody>
-      </p:sp>
-      <p:sp>
-        <p:nvSpPr>
-          <p:cNvPr id="135" name="Google Shape;135;p31"/>
-          <p:cNvSpPr txBox="1">
-            <a:spLocks noGrp="1"/>
-          </p:cNvSpPr>
-          <p:nvPr>
-            <p:ph type="body" idx="1"/>
-          </p:nvPr>
-        </p:nvSpPr>
-        <p:spPr>
-          <a:xfrm>
-            <a:off x="437745" y="1000549"/>
-            <a:ext cx="8501974" cy="4255370"/>
-          </a:xfrm>
-          <a:prstGeom prst="rect">
-            <a:avLst/>
-          </a:prstGeom>
-          <a:noFill/>
-          <a:ln>
-            <a:noFill/>
-          </a:ln>
-        </p:spPr>
-        <p:txBody>
-          <a:bodyPr spcFirstLastPara="1" wrap="square" lIns="91425" tIns="45700" rIns="91425" bIns="45700" anchor="t" anchorCtr="0">
-            <a:noAutofit/>
-          </a:bodyPr>
-          <a:lstStyle/>
-          <a:p>
-            <a:pPr marL="419100" lvl="0" indent="-342900" algn="l" rtl="0">
-              <a:lnSpc>
-                <a:spcPct val="100000"/>
-              </a:lnSpc>
-              <a:spcBef>
-                <a:spcPts val="480"/>
-              </a:spcBef>
-              <a:spcAft>
-                <a:spcPts val="0"/>
-              </a:spcAft>
-              <a:buSzPts val="2400"/>
-              <a:buChar char="•"/>
-            </a:pPr>
-            <a:r>
-              <a:rPr lang="en-US" sz="1600" dirty="0"/>
-              <a:t>Objective: Implementing the Viterbi algorithm for Part-of-Speech Tagging</a:t>
-            </a:r>
-          </a:p>
-          <a:p>
-            <a:pPr marL="419100" lvl="0" indent="-342900" algn="l" rtl="0">
-              <a:lnSpc>
-                <a:spcPct val="100000"/>
-              </a:lnSpc>
-              <a:spcBef>
-                <a:spcPts val="480"/>
-              </a:spcBef>
-              <a:spcAft>
-                <a:spcPts val="0"/>
-              </a:spcAft>
-              <a:buSzPts val="2400"/>
-              <a:buChar char="•"/>
-            </a:pPr>
-            <a:r>
-              <a:rPr lang="en-US" sz="1600" dirty="0"/>
-              <a:t>Inputs: Tag-to-word probability dictionary, transition probability matrix, input sentence</a:t>
-            </a:r>
-          </a:p>
-          <a:p>
-            <a:pPr marL="419100" lvl="0" indent="-342900" algn="l" rtl="0">
-              <a:lnSpc>
-                <a:spcPct val="100000"/>
-              </a:lnSpc>
-              <a:spcBef>
-                <a:spcPts val="480"/>
-              </a:spcBef>
-              <a:spcAft>
-                <a:spcPts val="0"/>
-              </a:spcAft>
-              <a:buSzPts val="2400"/>
-              <a:buChar char="•"/>
-            </a:pPr>
-            <a:r>
-              <a:rPr lang="en-US" sz="1600" dirty="0"/>
-              <a:t>Processing:</a:t>
-            </a:r>
-          </a:p>
-          <a:p>
-            <a:pPr marL="876300" lvl="1" indent="-342900">
-              <a:buChar char="•"/>
-            </a:pPr>
-            <a:r>
-              <a:rPr lang="en-US" sz="1600" dirty="0"/>
-              <a:t>Iterate through each word in the input sentence</a:t>
-            </a:r>
-          </a:p>
-          <a:p>
-            <a:pPr marL="876300" lvl="1" indent="-342900">
-              <a:buChar char="•"/>
-            </a:pPr>
-            <a:r>
-              <a:rPr lang="en-US" sz="1600" dirty="0"/>
-              <a:t>For each word, iterate through the current tag sequences</a:t>
-            </a:r>
-          </a:p>
-          <a:p>
-            <a:pPr marL="876300" lvl="1" indent="-342900">
-              <a:buChar char="•"/>
-            </a:pPr>
-            <a:r>
-              <a:rPr lang="en-US" sz="1600" dirty="0"/>
-              <a:t>Calculate the lexical probability of the word given the tag using the probability dictionary</a:t>
-            </a:r>
-          </a:p>
-          <a:p>
-            <a:pPr marL="876300" lvl="1" indent="-342900">
-              <a:buChar char="•"/>
-            </a:pPr>
-            <a:r>
-              <a:rPr lang="en-US" sz="1600" dirty="0"/>
-              <a:t>Calculate the transition probability from previous tag to the new tag using the transition matrix</a:t>
-            </a:r>
-          </a:p>
-          <a:p>
-            <a:pPr marL="876300" lvl="1" indent="-342900">
-              <a:buChar char="•"/>
-            </a:pPr>
-            <a:r>
-              <a:rPr lang="en-US" sz="1600" dirty="0"/>
-              <a:t>Retain the top (</a:t>
-            </a:r>
-            <a:r>
-              <a:rPr lang="en-US" sz="1600" dirty="0" err="1"/>
-              <a:t>max_entries</a:t>
-            </a:r>
-            <a:r>
-              <a:rPr lang="en-US" sz="1600" dirty="0"/>
-              <a:t>) tag sequences formed with the highest probability, and repeat</a:t>
-            </a:r>
-          </a:p>
-          <a:p>
-            <a:pPr marL="419100" indent="-342900"/>
-            <a:r>
-              <a:rPr lang="en-US" sz="1600" dirty="0"/>
-              <a:t>Output: tag sequence with highest probability</a:t>
-            </a:r>
           </a:p>
         </p:txBody>
       </p:sp>
